--- a/Project 1  PPT 1.pptx
+++ b/Project 1  PPT 1.pptx
@@ -8227,8 +8227,8 @@
   </dgm:ptLst>
   <dgm:cxnLst>
     <dgm:cxn modelId="{3035DC11-5A93-4DB3-9F42-8018FEDCDDD4}" srcId="{C716A8F8-599F-4FA9-9B5F-9116F5C4BEE8}" destId="{EB019C31-7E11-4BB1-AD9B-25DBE958CC9B}" srcOrd="0" destOrd="0" parTransId="{89A58BCB-E1A4-4B04-8056-ECB4163AAF5C}" sibTransId="{E10F7784-CC05-41EA-8F02-14C1278EB908}"/>
+    <dgm:cxn modelId="{2359CB7C-BC3D-4B9D-8F59-886A105DE51A}" type="presOf" srcId="{C716A8F8-599F-4FA9-9B5F-9116F5C4BEE8}" destId="{36A27818-CED3-4D82-8B0F-40C99062908D}" srcOrd="0" destOrd="0" presId="urn:microsoft.com/office/officeart/2005/8/layout/vList2"/>
     <dgm:cxn modelId="{CBF4B4A5-4F72-4929-9016-D0478C28E617}" srcId="{C716A8F8-599F-4FA9-9B5F-9116F5C4BEE8}" destId="{C0DCFE11-1D40-437A-9D51-C6ED885A0553}" srcOrd="1" destOrd="0" parTransId="{F909FD4A-DE02-4771-B241-C8E77B080E62}" sibTransId="{4B32C732-B19A-4203-A181-9148F902A4EA}"/>
-    <dgm:cxn modelId="{2359CB7C-BC3D-4B9D-8F59-886A105DE51A}" type="presOf" srcId="{C716A8F8-599F-4FA9-9B5F-9116F5C4BEE8}" destId="{36A27818-CED3-4D82-8B0F-40C99062908D}" srcOrd="0" destOrd="0" presId="urn:microsoft.com/office/officeart/2005/8/layout/vList2"/>
     <dgm:cxn modelId="{06BA878E-71FA-4139-AE9B-017C0F1C096E}" type="presOf" srcId="{C0DCFE11-1D40-437A-9D51-C6ED885A0553}" destId="{67B3C869-134D-400C-B2FB-DCCD34756F15}" srcOrd="0" destOrd="0" presId="urn:microsoft.com/office/officeart/2005/8/layout/vList2"/>
     <dgm:cxn modelId="{5016DD60-5AD8-4ED4-812E-C461FC11F5B3}" type="presOf" srcId="{EB019C31-7E11-4BB1-AD9B-25DBE958CC9B}" destId="{0278B53E-9AE6-4BB8-9A4F-7EAB176C9F95}" srcOrd="0" destOrd="0" presId="urn:microsoft.com/office/officeart/2005/8/layout/vList2"/>
     <dgm:cxn modelId="{26EB1DDC-0E1A-4850-B05C-C15C24F32973}" type="presParOf" srcId="{36A27818-CED3-4D82-8B0F-40C99062908D}" destId="{0278B53E-9AE6-4BB8-9A4F-7EAB176C9F95}" srcOrd="0" destOrd="0" presId="urn:microsoft.com/office/officeart/2005/8/layout/vList2"/>
@@ -9603,8 +9603,16 @@
         <a:lstStyle/>
         <a:p>
           <a:r>
-            <a:rPr lang="en-US"/>
-            <a:t>Example: df.dtypes in Python</a:t>
+            <a:rPr lang="en-US" dirty="0"/>
+            <a:t>Example: </a:t>
+          </a:r>
+          <a:r>
+            <a:rPr lang="en-US" dirty="0" err="1"/>
+            <a:t>df.dtypes</a:t>
+          </a:r>
+          <a:r>
+            <a:rPr lang="en-US" dirty="0"/>
+            <a:t> in Python</a:t>
           </a:r>
         </a:p>
       </dgm:t>
@@ -9782,7 +9790,7 @@
 <dgm:dataModel xmlns:dgm="http://schemas.openxmlformats.org/drawingml/2006/diagram" xmlns:a="http://schemas.openxmlformats.org/drawingml/2006/main">
   <dgm:ptLst>
     <dgm:pt modelId="{482D0D7A-2300-4196-89D2-9B5F882103AF}" type="doc">
-      <dgm:prSet loTypeId="urn:microsoft.com/office/officeart/2005/8/layout/vList2" loCatId="list" qsTypeId="urn:microsoft.com/office/officeart/2005/8/quickstyle/simple1" qsCatId="simple" csTypeId="urn:microsoft.com/office/officeart/2005/8/colors/colorful2" csCatId="colorful"/>
+      <dgm:prSet loTypeId="urn:microsoft.com/office/officeart/2005/8/layout/vList2" loCatId="list" qsTypeId="urn:microsoft.com/office/officeart/2005/8/quickstyle/simple1" qsCatId="simple" csTypeId="urn:microsoft.com/office/officeart/2005/8/colors/colorful2" csCatId="colorful" phldr="1"/>
       <dgm:spPr/>
       <dgm:t>
         <a:bodyPr/>
@@ -9872,8 +9880,20 @@
         <a:lstStyle/>
         <a:p>
           <a:r>
-            <a:rPr lang="en-US"/>
-            <a:t>Example: df.info in Python</a:t>
+            <a:rPr lang="en-US" dirty="0"/>
+            <a:t>Example: </a:t>
+          </a:r>
+          <a:r>
+            <a:rPr lang="en-US" dirty="0" err="1" smtClean="0"/>
+            <a:t>df.describe</a:t>
+          </a:r>
+          <a:r>
+            <a:rPr lang="en-US" dirty="0" smtClean="0"/>
+            <a:t>() </a:t>
+          </a:r>
+          <a:r>
+            <a:rPr lang="en-US" dirty="0"/>
+            <a:t>in Python</a:t>
           </a:r>
         </a:p>
       </dgm:t>
@@ -10258,7 +10278,7 @@
 <dgm:dataModel xmlns:dgm="http://schemas.openxmlformats.org/drawingml/2006/diagram" xmlns:a="http://schemas.openxmlformats.org/drawingml/2006/main">
   <dgm:ptLst>
     <dgm:pt modelId="{33D177CD-B0FA-4AD3-97A7-753662520772}" type="doc">
-      <dgm:prSet loTypeId="urn:microsoft.com/office/officeart/2005/8/layout/default" loCatId="list" qsTypeId="urn:microsoft.com/office/officeart/2005/8/quickstyle/simple1" qsCatId="simple" csTypeId="urn:microsoft.com/office/officeart/2005/8/colors/accent1_2" csCatId="accent1"/>
+      <dgm:prSet loTypeId="urn:microsoft.com/office/officeart/2005/8/layout/default" loCatId="list" qsTypeId="urn:microsoft.com/office/officeart/2005/8/quickstyle/simple1" qsCatId="simple" csTypeId="urn:microsoft.com/office/officeart/2005/8/colors/accent1_2" csCatId="accent1" phldr="1"/>
       <dgm:spPr/>
       <dgm:t>
         <a:bodyPr/>
@@ -10276,7 +10296,7 @@
         <a:lstStyle/>
         <a:p>
           <a:r>
-            <a:rPr lang="en-US"/>
+            <a:rPr lang="en-US" dirty="0"/>
             <a:t>Definition: Combining data along a particular axis</a:t>
           </a:r>
         </a:p>
@@ -10312,7 +10332,7 @@
         <a:lstStyle/>
         <a:p>
           <a:r>
-            <a:rPr lang="en-US"/>
+            <a:rPr lang="en-US" dirty="0"/>
             <a:t>Purpose: Merging datasets vertically or horizontally</a:t>
           </a:r>
         </a:p>
@@ -10348,8 +10368,16 @@
         <a:lstStyle/>
         <a:p>
           <a:r>
-            <a:rPr lang="en-US"/>
-            <a:t>Example: pd.concat , axis=0) in Python</a:t>
+            <a:rPr lang="en-US" dirty="0"/>
+            <a:t>Example: </a:t>
+          </a:r>
+          <a:r>
+            <a:rPr lang="en-US" dirty="0" err="1"/>
+            <a:t>pd.concat</a:t>
+          </a:r>
+          <a:r>
+            <a:rPr lang="en-US" dirty="0"/>
+            <a:t> , axis=0) in Python</a:t>
           </a:r>
         </a:p>
       </dgm:t>
@@ -10393,7 +10421,7 @@
       </dgm:t>
     </dgm:pt>
     <dgm:pt modelId="{00EEDF3A-4F55-4824-8635-A6D9DCA2C40F}" type="pres">
-      <dgm:prSet presAssocID="{E1E7488D-84F5-49A5-B2EC-68234EAECBAA}" presName="node" presStyleLbl="node1" presStyleIdx="0" presStyleCnt="3">
+      <dgm:prSet presAssocID="{E1E7488D-84F5-49A5-B2EC-68234EAECBAA}" presName="node" presStyleLbl="node1" presStyleIdx="0" presStyleCnt="3" custScaleX="46998" custScaleY="47310" custLinFactNeighborX="52235" custLinFactNeighborY="-24899">
         <dgm:presLayoutVars>
           <dgm:bulletEnabled val="1"/>
         </dgm:presLayoutVars>
@@ -10412,7 +10440,7 @@
       <dgm:spPr/>
     </dgm:pt>
     <dgm:pt modelId="{AF680A5A-1F38-4A7B-905E-E162CCEAA12A}" type="pres">
-      <dgm:prSet presAssocID="{A80ED29C-5673-453F-A88D-6C5DDC9EA198}" presName="node" presStyleLbl="node1" presStyleIdx="1" presStyleCnt="3">
+      <dgm:prSet presAssocID="{A80ED29C-5673-453F-A88D-6C5DDC9EA198}" presName="node" presStyleLbl="node1" presStyleIdx="1" presStyleCnt="3" custScaleX="48119" custScaleY="44980" custLinFactNeighborX="-25807" custLinFactNeighborY="-64021">
         <dgm:presLayoutVars>
           <dgm:bulletEnabled val="1"/>
         </dgm:presLayoutVars>
@@ -10431,7 +10459,7 @@
       <dgm:spPr/>
     </dgm:pt>
     <dgm:pt modelId="{34A9D668-1BAF-4B68-9897-4CC52CA2D2BF}" type="pres">
-      <dgm:prSet presAssocID="{26E931C7-288D-4B15-89F9-0B268C0831F4}" presName="node" presStyleLbl="node1" presStyleIdx="2" presStyleCnt="3">
+      <dgm:prSet presAssocID="{26E931C7-288D-4B15-89F9-0B268C0831F4}" presName="node" presStyleLbl="node1" presStyleIdx="2" presStyleCnt="3" custScaleX="87689" custScaleY="23113" custLinFactNeighborX="-543" custLinFactNeighborY="-74368">
         <dgm:presLayoutVars>
           <dgm:bulletEnabled val="1"/>
         </dgm:presLayoutVars>
@@ -12706,8 +12734,16 @@
             </a:spcAft>
           </a:pPr>
           <a:r>
-            <a:rPr lang="en-US" sz="2600" kern="1200"/>
-            <a:t>Example: df.dtypes in Python</a:t>
+            <a:rPr lang="en-US" sz="2600" kern="1200" dirty="0"/>
+            <a:t>Example: </a:t>
+          </a:r>
+          <a:r>
+            <a:rPr lang="en-US" sz="2600" kern="1200" dirty="0" err="1"/>
+            <a:t>df.dtypes</a:t>
+          </a:r>
+          <a:r>
+            <a:rPr lang="en-US" sz="2600" kern="1200" dirty="0"/>
+            <a:t> in Python</a:t>
           </a:r>
         </a:p>
       </dsp:txBody>
@@ -12949,8 +12985,20 @@
             </a:spcAft>
           </a:pPr>
           <a:r>
-            <a:rPr lang="en-US" sz="3200" kern="1200"/>
-            <a:t>Example: df.info in Python</a:t>
+            <a:rPr lang="en-US" sz="3200" kern="1200" dirty="0"/>
+            <a:t>Example: </a:t>
+          </a:r>
+          <a:r>
+            <a:rPr lang="en-US" sz="3200" kern="1200" dirty="0" err="1" smtClean="0"/>
+            <a:t>df.describe</a:t>
+          </a:r>
+          <a:r>
+            <a:rPr lang="en-US" sz="3200" kern="1200" dirty="0" smtClean="0"/>
+            <a:t>() </a:t>
+          </a:r>
+          <a:r>
+            <a:rPr lang="en-US" sz="3200" kern="1200" dirty="0"/>
+            <a:t>in Python</a:t>
           </a:r>
         </a:p>
       </dsp:txBody>
@@ -13402,8 +13450,8 @@
       </dsp:nvSpPr>
       <dsp:spPr>
         <a:xfrm>
-          <a:off x="608" y="590002"/>
-          <a:ext cx="2374765" cy="1424859"/>
+          <a:off x="2742304" y="0"/>
+          <a:ext cx="2245920" cy="1356498"/>
         </a:xfrm>
         <a:prstGeom prst="rect">
           <a:avLst/>
@@ -13445,12 +13493,12 @@
         </a:fontRef>
       </dsp:style>
       <dsp:txBody>
-        <a:bodyPr spcFirstLastPara="0" vert="horz" wrap="square" lIns="83820" tIns="83820" rIns="83820" bIns="83820" numCol="1" spcCol="1270" anchor="ctr" anchorCtr="0">
+        <a:bodyPr spcFirstLastPara="0" vert="horz" wrap="square" lIns="72390" tIns="72390" rIns="72390" bIns="72390" numCol="1" spcCol="1270" anchor="ctr" anchorCtr="0">
           <a:noAutofit/>
         </a:bodyPr>
         <a:lstStyle/>
         <a:p>
-          <a:pPr lvl="0" algn="ctr" defTabSz="977900">
+          <a:pPr lvl="0" algn="ctr" defTabSz="844550">
             <a:lnSpc>
               <a:spcPct val="90000"/>
             </a:lnSpc>
@@ -13462,14 +13510,14 @@
             </a:spcAft>
           </a:pPr>
           <a:r>
-            <a:rPr lang="en-US" sz="2200" kern="1200"/>
+            <a:rPr lang="en-US" sz="1900" kern="1200" dirty="0"/>
             <a:t>Definition: Combining data along a particular axis</a:t>
           </a:r>
         </a:p>
       </dsp:txBody>
       <dsp:txXfrm>
-        <a:off x="608" y="590002"/>
-        <a:ext cx="2374765" cy="1424859"/>
+        <a:off x="2742304" y="0"/>
+        <a:ext cx="2245920" cy="1356498"/>
       </dsp:txXfrm>
     </dsp:sp>
     <dsp:sp modelId="{AF680A5A-1F38-4A7B-905E-E162CCEAA12A}">
@@ -13479,8 +13527,8 @@
       </dsp:nvSpPr>
       <dsp:spPr>
         <a:xfrm>
-          <a:off x="2612850" y="590002"/>
-          <a:ext cx="2374765" cy="1424859"/>
+          <a:off x="111112" y="3"/>
+          <a:ext cx="2299490" cy="1289691"/>
         </a:xfrm>
         <a:prstGeom prst="rect">
           <a:avLst/>
@@ -13522,12 +13570,12 @@
         </a:fontRef>
       </dsp:style>
       <dsp:txBody>
-        <a:bodyPr spcFirstLastPara="0" vert="horz" wrap="square" lIns="83820" tIns="83820" rIns="83820" bIns="83820" numCol="1" spcCol="1270" anchor="ctr" anchorCtr="0">
+        <a:bodyPr spcFirstLastPara="0" vert="horz" wrap="square" lIns="72390" tIns="72390" rIns="72390" bIns="72390" numCol="1" spcCol="1270" anchor="ctr" anchorCtr="0">
           <a:noAutofit/>
         </a:bodyPr>
         <a:lstStyle/>
         <a:p>
-          <a:pPr lvl="0" algn="ctr" defTabSz="977900">
+          <a:pPr lvl="0" algn="ctr" defTabSz="844550">
             <a:lnSpc>
               <a:spcPct val="90000"/>
             </a:lnSpc>
@@ -13539,14 +13587,14 @@
             </a:spcAft>
           </a:pPr>
           <a:r>
-            <a:rPr lang="en-US" sz="2200" kern="1200"/>
+            <a:rPr lang="en-US" sz="1900" kern="1200" dirty="0"/>
             <a:t>Purpose: Merging datasets vertically or horizontally</a:t>
           </a:r>
         </a:p>
       </dsp:txBody>
       <dsp:txXfrm>
-        <a:off x="2612850" y="590002"/>
-        <a:ext cx="2374765" cy="1424859"/>
+        <a:off x="111112" y="3"/>
+        <a:ext cx="2299490" cy="1289691"/>
       </dsp:txXfrm>
     </dsp:sp>
     <dsp:sp modelId="{34A9D668-1BAF-4B68-9897-4CC52CA2D2BF}">
@@ -13556,8 +13604,8 @@
       </dsp:nvSpPr>
       <dsp:spPr>
         <a:xfrm>
-          <a:off x="1306729" y="2252338"/>
-          <a:ext cx="2374765" cy="1424859"/>
+          <a:off x="372941" y="1470896"/>
+          <a:ext cx="4190445" cy="662708"/>
         </a:xfrm>
         <a:prstGeom prst="rect">
           <a:avLst/>
@@ -13599,12 +13647,12 @@
         </a:fontRef>
       </dsp:style>
       <dsp:txBody>
-        <a:bodyPr spcFirstLastPara="0" vert="horz" wrap="square" lIns="83820" tIns="83820" rIns="83820" bIns="83820" numCol="1" spcCol="1270" anchor="ctr" anchorCtr="0">
+        <a:bodyPr spcFirstLastPara="0" vert="horz" wrap="square" lIns="72390" tIns="72390" rIns="72390" bIns="72390" numCol="1" spcCol="1270" anchor="ctr" anchorCtr="0">
           <a:noAutofit/>
         </a:bodyPr>
         <a:lstStyle/>
         <a:p>
-          <a:pPr lvl="0" algn="ctr" defTabSz="977900">
+          <a:pPr lvl="0" algn="ctr" defTabSz="844550">
             <a:lnSpc>
               <a:spcPct val="90000"/>
             </a:lnSpc>
@@ -13616,14 +13664,22 @@
             </a:spcAft>
           </a:pPr>
           <a:r>
-            <a:rPr lang="en-US" sz="2200" kern="1200"/>
-            <a:t>Example: pd.concat , axis=0) in Python</a:t>
+            <a:rPr lang="en-US" sz="1900" kern="1200" dirty="0"/>
+            <a:t>Example: </a:t>
+          </a:r>
+          <a:r>
+            <a:rPr lang="en-US" sz="1900" kern="1200" dirty="0" err="1"/>
+            <a:t>pd.concat</a:t>
+          </a:r>
+          <a:r>
+            <a:rPr lang="en-US" sz="1900" kern="1200" dirty="0"/>
+            <a:t> , axis=0) in Python</a:t>
           </a:r>
         </a:p>
       </dsp:txBody>
       <dsp:txXfrm>
-        <a:off x="1306729" y="2252338"/>
-        <a:ext cx="2374765" cy="1424859"/>
+        <a:off x="372941" y="1470896"/>
+        <a:ext cx="4190445" cy="662708"/>
       </dsp:txXfrm>
     </dsp:sp>
   </dsp:spTree>
@@ -17086,7 +17142,7 @@
   </dgm:layoutNode>
   <dgm:extLst>
     <a:ext uri="{4F341089-5ED1-44EC-B178-C955D00A3D55}">
-      <dgm1611:autoBuNodeInfoLst xmlns:dgm1611="http://schemas.microsoft.com/office/drawing/2016/11/diagram" xmlns="">
+      <dgm1611:autoBuNodeInfoLst xmlns="" xmlns:dgm1611="http://schemas.microsoft.com/office/drawing/2016/11/diagram">
         <dgm1611:autoBuNodeInfo lvl="1" ptType="sibTrans">
           <dgm1611:buPr prefix="" leadZeros="0">
             <a:buAutoNum type="arabicParenBoth"/>
@@ -27607,7 +27663,7 @@
           <p:cNvPr id="3" name="Subtitle 2">
             <a:extLst>
               <a:ext uri="{FF2B5EF4-FFF2-40B4-BE49-F238E27FC236}">
-                <a16:creationId xmlns:a16="http://schemas.microsoft.com/office/drawing/2014/main" xmlns="" id="{A12BED07-6713-92AA-40AF-AE58F4F83C7A}"/>
+                <a16:creationId xmlns="" xmlns:a16="http://schemas.microsoft.com/office/drawing/2014/main" id="{A12BED07-6713-92AA-40AF-AE58F4F83C7A}"/>
               </a:ext>
             </a:extLst>
           </p:cNvPr>
@@ -27679,7 +27735,7 @@
           <p:cNvPr id="4" name="Date Placeholder 3">
             <a:extLst>
               <a:ext uri="{FF2B5EF4-FFF2-40B4-BE49-F238E27FC236}">
-                <a16:creationId xmlns:a16="http://schemas.microsoft.com/office/drawing/2014/main" xmlns="" id="{4FC9EF77-BF49-E4C1-0FC7-563354777900}"/>
+                <a16:creationId xmlns="" xmlns:a16="http://schemas.microsoft.com/office/drawing/2014/main" id="{4FC9EF77-BF49-E4C1-0FC7-563354777900}"/>
               </a:ext>
             </a:extLst>
           </p:cNvPr>
@@ -27697,7 +27753,7 @@
           <a:p>
             <a:fld id="{5DBDDF98-C922-483F-97E9-3E76B0201B42}" type="datetimeFigureOut">
               <a:rPr lang="en-US" smtClean="0"/>
-              <a:t>12/20/2023</a:t>
+              <a:t>12/29/2023</a:t>
             </a:fld>
             <a:endParaRPr lang="en-US"/>
           </a:p>
@@ -27708,7 +27764,7 @@
           <p:cNvPr id="5" name="Footer Placeholder 4">
             <a:extLst>
               <a:ext uri="{FF2B5EF4-FFF2-40B4-BE49-F238E27FC236}">
-                <a16:creationId xmlns:a16="http://schemas.microsoft.com/office/drawing/2014/main" xmlns="" id="{72BD5853-25AA-1C3D-EAD2-496674792D68}"/>
+                <a16:creationId xmlns="" xmlns:a16="http://schemas.microsoft.com/office/drawing/2014/main" id="{72BD5853-25AA-1C3D-EAD2-496674792D68}"/>
               </a:ext>
             </a:extLst>
           </p:cNvPr>
@@ -27733,7 +27789,7 @@
           <p:cNvPr id="6" name="Slide Number Placeholder 5">
             <a:extLst>
               <a:ext uri="{FF2B5EF4-FFF2-40B4-BE49-F238E27FC236}">
-                <a16:creationId xmlns:a16="http://schemas.microsoft.com/office/drawing/2014/main" xmlns="" id="{A57F0DAD-5850-CAAE-CD25-4D6DDDFF3A18}"/>
+                <a16:creationId xmlns="" xmlns:a16="http://schemas.microsoft.com/office/drawing/2014/main" id="{A57F0DAD-5850-CAAE-CD25-4D6DDDFF3A18}"/>
               </a:ext>
             </a:extLst>
           </p:cNvPr>
@@ -27762,7 +27818,7 @@
           <p:cNvPr id="2" name="Title 1">
             <a:extLst>
               <a:ext uri="{FF2B5EF4-FFF2-40B4-BE49-F238E27FC236}">
-                <a16:creationId xmlns:a16="http://schemas.microsoft.com/office/drawing/2014/main" xmlns="" id="{534851B1-0B20-9549-0D70-886AA9D04532}"/>
+                <a16:creationId xmlns="" xmlns:a16="http://schemas.microsoft.com/office/drawing/2014/main" id="{534851B1-0B20-9549-0D70-886AA9D04532}"/>
               </a:ext>
             </a:extLst>
           </p:cNvPr>
@@ -27832,7 +27888,7 @@
           <p:cNvPr id="2" name="Title 1">
             <a:extLst>
               <a:ext uri="{FF2B5EF4-FFF2-40B4-BE49-F238E27FC236}">
-                <a16:creationId xmlns:a16="http://schemas.microsoft.com/office/drawing/2014/main" xmlns="" id="{32D2C3AB-851A-0D2F-B3AE-5B161CFFC00A}"/>
+                <a16:creationId xmlns="" xmlns:a16="http://schemas.microsoft.com/office/drawing/2014/main" id="{32D2C3AB-851A-0D2F-B3AE-5B161CFFC00A}"/>
               </a:ext>
             </a:extLst>
           </p:cNvPr>
@@ -27860,7 +27916,7 @@
           <p:cNvPr id="3" name="Vertical Text Placeholder 2">
             <a:extLst>
               <a:ext uri="{FF2B5EF4-FFF2-40B4-BE49-F238E27FC236}">
-                <a16:creationId xmlns:a16="http://schemas.microsoft.com/office/drawing/2014/main" xmlns="" id="{0E89FD6B-3621-3904-7878-A2825C692509}"/>
+                <a16:creationId xmlns="" xmlns:a16="http://schemas.microsoft.com/office/drawing/2014/main" id="{0E89FD6B-3621-3904-7878-A2825C692509}"/>
               </a:ext>
             </a:extLst>
           </p:cNvPr>
@@ -27917,7 +27973,7 @@
           <p:cNvPr id="4" name="Date Placeholder 3">
             <a:extLst>
               <a:ext uri="{FF2B5EF4-FFF2-40B4-BE49-F238E27FC236}">
-                <a16:creationId xmlns:a16="http://schemas.microsoft.com/office/drawing/2014/main" xmlns="" id="{79808AE9-D8ED-ED5D-D7B0-A43811777E81}"/>
+                <a16:creationId xmlns="" xmlns:a16="http://schemas.microsoft.com/office/drawing/2014/main" id="{79808AE9-D8ED-ED5D-D7B0-A43811777E81}"/>
               </a:ext>
             </a:extLst>
           </p:cNvPr>
@@ -27935,7 +27991,7 @@
           <a:p>
             <a:fld id="{5DBDDF98-C922-483F-97E9-3E76B0201B42}" type="datetimeFigureOut">
               <a:rPr lang="en-US" smtClean="0"/>
-              <a:t>12/20/2023</a:t>
+              <a:t>12/29/2023</a:t>
             </a:fld>
             <a:endParaRPr lang="en-US"/>
           </a:p>
@@ -27946,7 +28002,7 @@
           <p:cNvPr id="5" name="Footer Placeholder 4">
             <a:extLst>
               <a:ext uri="{FF2B5EF4-FFF2-40B4-BE49-F238E27FC236}">
-                <a16:creationId xmlns:a16="http://schemas.microsoft.com/office/drawing/2014/main" xmlns="" id="{9A9EF98B-AC81-D122-3D05-9C4E2FE4238C}"/>
+                <a16:creationId xmlns="" xmlns:a16="http://schemas.microsoft.com/office/drawing/2014/main" id="{9A9EF98B-AC81-D122-3D05-9C4E2FE4238C}"/>
               </a:ext>
             </a:extLst>
           </p:cNvPr>
@@ -27971,7 +28027,7 @@
           <p:cNvPr id="6" name="Slide Number Placeholder 5">
             <a:extLst>
               <a:ext uri="{FF2B5EF4-FFF2-40B4-BE49-F238E27FC236}">
-                <a16:creationId xmlns:a16="http://schemas.microsoft.com/office/drawing/2014/main" xmlns="" id="{6B9FB543-B138-6627-3714-12105D172AD5}"/>
+                <a16:creationId xmlns="" xmlns:a16="http://schemas.microsoft.com/office/drawing/2014/main" id="{6B9FB543-B138-6627-3714-12105D172AD5}"/>
               </a:ext>
             </a:extLst>
           </p:cNvPr>
@@ -28030,7 +28086,7 @@
           <p:cNvPr id="2" name="Vertical Title 1">
             <a:extLst>
               <a:ext uri="{FF2B5EF4-FFF2-40B4-BE49-F238E27FC236}">
-                <a16:creationId xmlns:a16="http://schemas.microsoft.com/office/drawing/2014/main" xmlns="" id="{203DE16D-F1A0-DDB5-A98C-A9055C93D914}"/>
+                <a16:creationId xmlns="" xmlns:a16="http://schemas.microsoft.com/office/drawing/2014/main" id="{203DE16D-F1A0-DDB5-A98C-A9055C93D914}"/>
               </a:ext>
             </a:extLst>
           </p:cNvPr>
@@ -28063,7 +28119,7 @@
           <p:cNvPr id="3" name="Vertical Text Placeholder 2">
             <a:extLst>
               <a:ext uri="{FF2B5EF4-FFF2-40B4-BE49-F238E27FC236}">
-                <a16:creationId xmlns:a16="http://schemas.microsoft.com/office/drawing/2014/main" xmlns="" id="{2D8A548F-8DA7-C53C-1BFE-7C720CB20FA1}"/>
+                <a16:creationId xmlns="" xmlns:a16="http://schemas.microsoft.com/office/drawing/2014/main" id="{2D8A548F-8DA7-C53C-1BFE-7C720CB20FA1}"/>
               </a:ext>
             </a:extLst>
           </p:cNvPr>
@@ -28125,7 +28181,7 @@
           <p:cNvPr id="4" name="Date Placeholder 3">
             <a:extLst>
               <a:ext uri="{FF2B5EF4-FFF2-40B4-BE49-F238E27FC236}">
-                <a16:creationId xmlns:a16="http://schemas.microsoft.com/office/drawing/2014/main" xmlns="" id="{C12EA2C8-1C90-25D0-8B0A-30B73CFD3EDE}"/>
+                <a16:creationId xmlns="" xmlns:a16="http://schemas.microsoft.com/office/drawing/2014/main" id="{C12EA2C8-1C90-25D0-8B0A-30B73CFD3EDE}"/>
               </a:ext>
             </a:extLst>
           </p:cNvPr>
@@ -28143,7 +28199,7 @@
           <a:p>
             <a:fld id="{5DBDDF98-C922-483F-97E9-3E76B0201B42}" type="datetimeFigureOut">
               <a:rPr lang="en-US" smtClean="0"/>
-              <a:t>12/20/2023</a:t>
+              <a:t>12/29/2023</a:t>
             </a:fld>
             <a:endParaRPr lang="en-US"/>
           </a:p>
@@ -28154,7 +28210,7 @@
           <p:cNvPr id="5" name="Footer Placeholder 4">
             <a:extLst>
               <a:ext uri="{FF2B5EF4-FFF2-40B4-BE49-F238E27FC236}">
-                <a16:creationId xmlns:a16="http://schemas.microsoft.com/office/drawing/2014/main" xmlns="" id="{EA6FF1A4-0404-DA2D-1EA4-828091C0497C}"/>
+                <a16:creationId xmlns="" xmlns:a16="http://schemas.microsoft.com/office/drawing/2014/main" id="{EA6FF1A4-0404-DA2D-1EA4-828091C0497C}"/>
               </a:ext>
             </a:extLst>
           </p:cNvPr>
@@ -28179,7 +28235,7 @@
           <p:cNvPr id="6" name="Slide Number Placeholder 5">
             <a:extLst>
               <a:ext uri="{FF2B5EF4-FFF2-40B4-BE49-F238E27FC236}">
-                <a16:creationId xmlns:a16="http://schemas.microsoft.com/office/drawing/2014/main" xmlns="" id="{F9457155-0F4A-F7B7-C4A8-755572E98C2E}"/>
+                <a16:creationId xmlns="" xmlns:a16="http://schemas.microsoft.com/office/drawing/2014/main" id="{F9457155-0F4A-F7B7-C4A8-755572E98C2E}"/>
               </a:ext>
             </a:extLst>
           </p:cNvPr>
@@ -28238,7 +28294,7 @@
           <p:cNvPr id="2" name="Title 1">
             <a:extLst>
               <a:ext uri="{FF2B5EF4-FFF2-40B4-BE49-F238E27FC236}">
-                <a16:creationId xmlns:a16="http://schemas.microsoft.com/office/drawing/2014/main" xmlns="" id="{0AB48F26-B5E3-8A90-51FC-8520D1D73224}"/>
+                <a16:creationId xmlns="" xmlns:a16="http://schemas.microsoft.com/office/drawing/2014/main" id="{0AB48F26-B5E3-8A90-51FC-8520D1D73224}"/>
               </a:ext>
             </a:extLst>
           </p:cNvPr>
@@ -28266,7 +28322,7 @@
           <p:cNvPr id="3" name="Content Placeholder 2">
             <a:extLst>
               <a:ext uri="{FF2B5EF4-FFF2-40B4-BE49-F238E27FC236}">
-                <a16:creationId xmlns:a16="http://schemas.microsoft.com/office/drawing/2014/main" xmlns="" id="{77EA4D95-10F3-6212-8302-5610C43E322A}"/>
+                <a16:creationId xmlns="" xmlns:a16="http://schemas.microsoft.com/office/drawing/2014/main" id="{77EA4D95-10F3-6212-8302-5610C43E322A}"/>
               </a:ext>
             </a:extLst>
           </p:cNvPr>
@@ -28323,7 +28379,7 @@
           <p:cNvPr id="4" name="Date Placeholder 3">
             <a:extLst>
               <a:ext uri="{FF2B5EF4-FFF2-40B4-BE49-F238E27FC236}">
-                <a16:creationId xmlns:a16="http://schemas.microsoft.com/office/drawing/2014/main" xmlns="" id="{D2281BE7-A53D-441E-0393-0E59412C9117}"/>
+                <a16:creationId xmlns="" xmlns:a16="http://schemas.microsoft.com/office/drawing/2014/main" id="{D2281BE7-A53D-441E-0393-0E59412C9117}"/>
               </a:ext>
             </a:extLst>
           </p:cNvPr>
@@ -28341,7 +28397,7 @@
           <a:p>
             <a:fld id="{5DBDDF98-C922-483F-97E9-3E76B0201B42}" type="datetimeFigureOut">
               <a:rPr lang="en-US" smtClean="0"/>
-              <a:t>12/20/2023</a:t>
+              <a:t>12/29/2023</a:t>
             </a:fld>
             <a:endParaRPr lang="en-US"/>
           </a:p>
@@ -28352,7 +28408,7 @@
           <p:cNvPr id="5" name="Footer Placeholder 4">
             <a:extLst>
               <a:ext uri="{FF2B5EF4-FFF2-40B4-BE49-F238E27FC236}">
-                <a16:creationId xmlns:a16="http://schemas.microsoft.com/office/drawing/2014/main" xmlns="" id="{0DEF10F0-B23F-BF4B-DB66-9BCF734DB986}"/>
+                <a16:creationId xmlns="" xmlns:a16="http://schemas.microsoft.com/office/drawing/2014/main" id="{0DEF10F0-B23F-BF4B-DB66-9BCF734DB986}"/>
               </a:ext>
             </a:extLst>
           </p:cNvPr>
@@ -28377,7 +28433,7 @@
           <p:cNvPr id="6" name="Slide Number Placeholder 5">
             <a:extLst>
               <a:ext uri="{FF2B5EF4-FFF2-40B4-BE49-F238E27FC236}">
-                <a16:creationId xmlns:a16="http://schemas.microsoft.com/office/drawing/2014/main" xmlns="" id="{D265DDEC-13A7-D988-D082-03076F80F1F0}"/>
+                <a16:creationId xmlns="" xmlns:a16="http://schemas.microsoft.com/office/drawing/2014/main" id="{D265DDEC-13A7-D988-D082-03076F80F1F0}"/>
               </a:ext>
             </a:extLst>
           </p:cNvPr>
@@ -28436,7 +28492,7 @@
           <p:cNvPr id="2" name="Title 1">
             <a:extLst>
               <a:ext uri="{FF2B5EF4-FFF2-40B4-BE49-F238E27FC236}">
-                <a16:creationId xmlns:a16="http://schemas.microsoft.com/office/drawing/2014/main" xmlns="" id="{77D80CFA-45ED-71B0-EE3E-CCE6D5C19377}"/>
+                <a16:creationId xmlns="" xmlns:a16="http://schemas.microsoft.com/office/drawing/2014/main" id="{77D80CFA-45ED-71B0-EE3E-CCE6D5C19377}"/>
               </a:ext>
             </a:extLst>
           </p:cNvPr>
@@ -28475,7 +28531,7 @@
           <p:cNvPr id="3" name="Text Placeholder 2">
             <a:extLst>
               <a:ext uri="{FF2B5EF4-FFF2-40B4-BE49-F238E27FC236}">
-                <a16:creationId xmlns:a16="http://schemas.microsoft.com/office/drawing/2014/main" xmlns="" id="{8F37BECA-A01D-7D7A-F2A6-891EC9D22945}"/>
+                <a16:creationId xmlns="" xmlns:a16="http://schemas.microsoft.com/office/drawing/2014/main" id="{8F37BECA-A01D-7D7A-F2A6-891EC9D22945}"/>
               </a:ext>
             </a:extLst>
           </p:cNvPr>
@@ -28600,7 +28656,7 @@
           <p:cNvPr id="4" name="Date Placeholder 3">
             <a:extLst>
               <a:ext uri="{FF2B5EF4-FFF2-40B4-BE49-F238E27FC236}">
-                <a16:creationId xmlns:a16="http://schemas.microsoft.com/office/drawing/2014/main" xmlns="" id="{86716478-6FAF-D420-0B87-6EABB81E887C}"/>
+                <a16:creationId xmlns="" xmlns:a16="http://schemas.microsoft.com/office/drawing/2014/main" id="{86716478-6FAF-D420-0B87-6EABB81E887C}"/>
               </a:ext>
             </a:extLst>
           </p:cNvPr>
@@ -28618,7 +28674,7 @@
           <a:p>
             <a:fld id="{5DBDDF98-C922-483F-97E9-3E76B0201B42}" type="datetimeFigureOut">
               <a:rPr lang="en-US" smtClean="0"/>
-              <a:t>12/20/2023</a:t>
+              <a:t>12/29/2023</a:t>
             </a:fld>
             <a:endParaRPr lang="en-US"/>
           </a:p>
@@ -28629,7 +28685,7 @@
           <p:cNvPr id="5" name="Footer Placeholder 4">
             <a:extLst>
               <a:ext uri="{FF2B5EF4-FFF2-40B4-BE49-F238E27FC236}">
-                <a16:creationId xmlns:a16="http://schemas.microsoft.com/office/drawing/2014/main" xmlns="" id="{87C4289B-CB0D-8AFC-7C02-F755C0DCC8F7}"/>
+                <a16:creationId xmlns="" xmlns:a16="http://schemas.microsoft.com/office/drawing/2014/main" id="{87C4289B-CB0D-8AFC-7C02-F755C0DCC8F7}"/>
               </a:ext>
             </a:extLst>
           </p:cNvPr>
@@ -28654,7 +28710,7 @@
           <p:cNvPr id="6" name="Slide Number Placeholder 5">
             <a:extLst>
               <a:ext uri="{FF2B5EF4-FFF2-40B4-BE49-F238E27FC236}">
-                <a16:creationId xmlns:a16="http://schemas.microsoft.com/office/drawing/2014/main" xmlns="" id="{267971E4-8A9E-2A30-D7FE-B3505124BB9D}"/>
+                <a16:creationId xmlns="" xmlns:a16="http://schemas.microsoft.com/office/drawing/2014/main" id="{267971E4-8A9E-2A30-D7FE-B3505124BB9D}"/>
               </a:ext>
             </a:extLst>
           </p:cNvPr>
@@ -28713,7 +28769,7 @@
           <p:cNvPr id="2" name="Title 1">
             <a:extLst>
               <a:ext uri="{FF2B5EF4-FFF2-40B4-BE49-F238E27FC236}">
-                <a16:creationId xmlns:a16="http://schemas.microsoft.com/office/drawing/2014/main" xmlns="" id="{0687F941-C3A7-545F-8046-C7A9AC80300E}"/>
+                <a16:creationId xmlns="" xmlns:a16="http://schemas.microsoft.com/office/drawing/2014/main" id="{0687F941-C3A7-545F-8046-C7A9AC80300E}"/>
               </a:ext>
             </a:extLst>
           </p:cNvPr>
@@ -28741,7 +28797,7 @@
           <p:cNvPr id="3" name="Content Placeholder 2">
             <a:extLst>
               <a:ext uri="{FF2B5EF4-FFF2-40B4-BE49-F238E27FC236}">
-                <a16:creationId xmlns:a16="http://schemas.microsoft.com/office/drawing/2014/main" xmlns="" id="{41BD4277-CFAE-EEF6-3346-61F06D5A3945}"/>
+                <a16:creationId xmlns="" xmlns:a16="http://schemas.microsoft.com/office/drawing/2014/main" id="{41BD4277-CFAE-EEF6-3346-61F06D5A3945}"/>
               </a:ext>
             </a:extLst>
           </p:cNvPr>
@@ -28803,7 +28859,7 @@
           <p:cNvPr id="4" name="Content Placeholder 3">
             <a:extLst>
               <a:ext uri="{FF2B5EF4-FFF2-40B4-BE49-F238E27FC236}">
-                <a16:creationId xmlns:a16="http://schemas.microsoft.com/office/drawing/2014/main" xmlns="" id="{09543384-699D-84FC-C8B5-7BDE49BB4478}"/>
+                <a16:creationId xmlns="" xmlns:a16="http://schemas.microsoft.com/office/drawing/2014/main" id="{09543384-699D-84FC-C8B5-7BDE49BB4478}"/>
               </a:ext>
             </a:extLst>
           </p:cNvPr>
@@ -28865,7 +28921,7 @@
           <p:cNvPr id="5" name="Date Placeholder 4">
             <a:extLst>
               <a:ext uri="{FF2B5EF4-FFF2-40B4-BE49-F238E27FC236}">
-                <a16:creationId xmlns:a16="http://schemas.microsoft.com/office/drawing/2014/main" xmlns="" id="{B0A49386-AFC8-03DA-4563-07B0A0119B1C}"/>
+                <a16:creationId xmlns="" xmlns:a16="http://schemas.microsoft.com/office/drawing/2014/main" id="{B0A49386-AFC8-03DA-4563-07B0A0119B1C}"/>
               </a:ext>
             </a:extLst>
           </p:cNvPr>
@@ -28883,7 +28939,7 @@
           <a:p>
             <a:fld id="{5DBDDF98-C922-483F-97E9-3E76B0201B42}" type="datetimeFigureOut">
               <a:rPr lang="en-US" smtClean="0"/>
-              <a:t>12/20/2023</a:t>
+              <a:t>12/29/2023</a:t>
             </a:fld>
             <a:endParaRPr lang="en-US"/>
           </a:p>
@@ -28894,7 +28950,7 @@
           <p:cNvPr id="6" name="Footer Placeholder 5">
             <a:extLst>
               <a:ext uri="{FF2B5EF4-FFF2-40B4-BE49-F238E27FC236}">
-                <a16:creationId xmlns:a16="http://schemas.microsoft.com/office/drawing/2014/main" xmlns="" id="{23AED60A-7704-31D9-7D4D-65C635EDF810}"/>
+                <a16:creationId xmlns="" xmlns:a16="http://schemas.microsoft.com/office/drawing/2014/main" id="{23AED60A-7704-31D9-7D4D-65C635EDF810}"/>
               </a:ext>
             </a:extLst>
           </p:cNvPr>
@@ -28919,7 +28975,7 @@
           <p:cNvPr id="7" name="Slide Number Placeholder 6">
             <a:extLst>
               <a:ext uri="{FF2B5EF4-FFF2-40B4-BE49-F238E27FC236}">
-                <a16:creationId xmlns:a16="http://schemas.microsoft.com/office/drawing/2014/main" xmlns="" id="{866927DA-3B5E-13B8-0BA8-5DCFF001E05E}"/>
+                <a16:creationId xmlns="" xmlns:a16="http://schemas.microsoft.com/office/drawing/2014/main" id="{866927DA-3B5E-13B8-0BA8-5DCFF001E05E}"/>
               </a:ext>
             </a:extLst>
           </p:cNvPr>
@@ -28978,7 +29034,7 @@
           <p:cNvPr id="2" name="Title 1">
             <a:extLst>
               <a:ext uri="{FF2B5EF4-FFF2-40B4-BE49-F238E27FC236}">
-                <a16:creationId xmlns:a16="http://schemas.microsoft.com/office/drawing/2014/main" xmlns="" id="{F937B55A-280B-BDCB-F966-8578DDE741DC}"/>
+                <a16:creationId xmlns="" xmlns:a16="http://schemas.microsoft.com/office/drawing/2014/main" id="{F937B55A-280B-BDCB-F966-8578DDE741DC}"/>
               </a:ext>
             </a:extLst>
           </p:cNvPr>
@@ -29011,7 +29067,7 @@
           <p:cNvPr id="3" name="Text Placeholder 2">
             <a:extLst>
               <a:ext uri="{FF2B5EF4-FFF2-40B4-BE49-F238E27FC236}">
-                <a16:creationId xmlns:a16="http://schemas.microsoft.com/office/drawing/2014/main" xmlns="" id="{0C76EA03-7008-14AB-547B-E66EA4EC968F}"/>
+                <a16:creationId xmlns="" xmlns:a16="http://schemas.microsoft.com/office/drawing/2014/main" id="{0C76EA03-7008-14AB-547B-E66EA4EC968F}"/>
               </a:ext>
             </a:extLst>
           </p:cNvPr>
@@ -29084,7 +29140,7 @@
           <p:cNvPr id="4" name="Content Placeholder 3">
             <a:extLst>
               <a:ext uri="{FF2B5EF4-FFF2-40B4-BE49-F238E27FC236}">
-                <a16:creationId xmlns:a16="http://schemas.microsoft.com/office/drawing/2014/main" xmlns="" id="{9D629F56-D2C8-71FE-FA59-002819D51856}"/>
+                <a16:creationId xmlns="" xmlns:a16="http://schemas.microsoft.com/office/drawing/2014/main" id="{9D629F56-D2C8-71FE-FA59-002819D51856}"/>
               </a:ext>
             </a:extLst>
           </p:cNvPr>
@@ -29146,7 +29202,7 @@
           <p:cNvPr id="5" name="Text Placeholder 4">
             <a:extLst>
               <a:ext uri="{FF2B5EF4-FFF2-40B4-BE49-F238E27FC236}">
-                <a16:creationId xmlns:a16="http://schemas.microsoft.com/office/drawing/2014/main" xmlns="" id="{712524D2-CA8D-75F3-D089-C2F0E20D4759}"/>
+                <a16:creationId xmlns="" xmlns:a16="http://schemas.microsoft.com/office/drawing/2014/main" id="{712524D2-CA8D-75F3-D089-C2F0E20D4759}"/>
               </a:ext>
             </a:extLst>
           </p:cNvPr>
@@ -29219,7 +29275,7 @@
           <p:cNvPr id="6" name="Content Placeholder 5">
             <a:extLst>
               <a:ext uri="{FF2B5EF4-FFF2-40B4-BE49-F238E27FC236}">
-                <a16:creationId xmlns:a16="http://schemas.microsoft.com/office/drawing/2014/main" xmlns="" id="{EE99B0E3-5AE5-0516-27BF-9F246137FE03}"/>
+                <a16:creationId xmlns="" xmlns:a16="http://schemas.microsoft.com/office/drawing/2014/main" id="{EE99B0E3-5AE5-0516-27BF-9F246137FE03}"/>
               </a:ext>
             </a:extLst>
           </p:cNvPr>
@@ -29281,7 +29337,7 @@
           <p:cNvPr id="7" name="Date Placeholder 6">
             <a:extLst>
               <a:ext uri="{FF2B5EF4-FFF2-40B4-BE49-F238E27FC236}">
-                <a16:creationId xmlns:a16="http://schemas.microsoft.com/office/drawing/2014/main" xmlns="" id="{F7B319A7-6048-4735-B2AC-6D6043F1461A}"/>
+                <a16:creationId xmlns="" xmlns:a16="http://schemas.microsoft.com/office/drawing/2014/main" id="{F7B319A7-6048-4735-B2AC-6D6043F1461A}"/>
               </a:ext>
             </a:extLst>
           </p:cNvPr>
@@ -29299,7 +29355,7 @@
           <a:p>
             <a:fld id="{5DBDDF98-C922-483F-97E9-3E76B0201B42}" type="datetimeFigureOut">
               <a:rPr lang="en-US" smtClean="0"/>
-              <a:t>12/20/2023</a:t>
+              <a:t>12/29/2023</a:t>
             </a:fld>
             <a:endParaRPr lang="en-US"/>
           </a:p>
@@ -29310,7 +29366,7 @@
           <p:cNvPr id="8" name="Footer Placeholder 7">
             <a:extLst>
               <a:ext uri="{FF2B5EF4-FFF2-40B4-BE49-F238E27FC236}">
-                <a16:creationId xmlns:a16="http://schemas.microsoft.com/office/drawing/2014/main" xmlns="" id="{6515F875-F23E-D0D2-9115-CD494FDA00BB}"/>
+                <a16:creationId xmlns="" xmlns:a16="http://schemas.microsoft.com/office/drawing/2014/main" id="{6515F875-F23E-D0D2-9115-CD494FDA00BB}"/>
               </a:ext>
             </a:extLst>
           </p:cNvPr>
@@ -29335,7 +29391,7 @@
           <p:cNvPr id="9" name="Slide Number Placeholder 8">
             <a:extLst>
               <a:ext uri="{FF2B5EF4-FFF2-40B4-BE49-F238E27FC236}">
-                <a16:creationId xmlns:a16="http://schemas.microsoft.com/office/drawing/2014/main" xmlns="" id="{6DB4F88F-F488-D9D5-CF99-AA1750AAFC39}"/>
+                <a16:creationId xmlns="" xmlns:a16="http://schemas.microsoft.com/office/drawing/2014/main" id="{6DB4F88F-F488-D9D5-CF99-AA1750AAFC39}"/>
               </a:ext>
             </a:extLst>
           </p:cNvPr>
@@ -29364,7 +29420,7 @@
           <p:cNvPr id="13" name="Straight Connector 12">
             <a:extLst>
               <a:ext uri="{FF2B5EF4-FFF2-40B4-BE49-F238E27FC236}">
-                <a16:creationId xmlns:a16="http://schemas.microsoft.com/office/drawing/2014/main" xmlns="" id="{B5094593-EFC2-EEEF-74CD-BD00F4132A94}"/>
+                <a16:creationId xmlns="" xmlns:a16="http://schemas.microsoft.com/office/drawing/2014/main" id="{B5094593-EFC2-EEEF-74CD-BD00F4132A94}"/>
               </a:ext>
             </a:extLst>
           </p:cNvPr>
@@ -29407,7 +29463,7 @@
           <p:cNvPr id="15" name="Straight Connector 14">
             <a:extLst>
               <a:ext uri="{FF2B5EF4-FFF2-40B4-BE49-F238E27FC236}">
-                <a16:creationId xmlns:a16="http://schemas.microsoft.com/office/drawing/2014/main" xmlns="" id="{AF851F6D-436C-FA47-8CD1-2C10E735764A}"/>
+                <a16:creationId xmlns="" xmlns:a16="http://schemas.microsoft.com/office/drawing/2014/main" id="{AF851F6D-436C-FA47-8CD1-2C10E735764A}"/>
               </a:ext>
             </a:extLst>
           </p:cNvPr>
@@ -29480,7 +29536,7 @@
           <p:cNvPr id="2" name="Title 1">
             <a:extLst>
               <a:ext uri="{FF2B5EF4-FFF2-40B4-BE49-F238E27FC236}">
-                <a16:creationId xmlns:a16="http://schemas.microsoft.com/office/drawing/2014/main" xmlns="" id="{C4D91B86-9261-4E82-EF65-30F78154E2FE}"/>
+                <a16:creationId xmlns="" xmlns:a16="http://schemas.microsoft.com/office/drawing/2014/main" id="{C4D91B86-9261-4E82-EF65-30F78154E2FE}"/>
               </a:ext>
             </a:extLst>
           </p:cNvPr>
@@ -29508,7 +29564,7 @@
           <p:cNvPr id="3" name="Date Placeholder 2">
             <a:extLst>
               <a:ext uri="{FF2B5EF4-FFF2-40B4-BE49-F238E27FC236}">
-                <a16:creationId xmlns:a16="http://schemas.microsoft.com/office/drawing/2014/main" xmlns="" id="{6A3A5E84-E43B-20AE-E80D-47CB0B07BD7B}"/>
+                <a16:creationId xmlns="" xmlns:a16="http://schemas.microsoft.com/office/drawing/2014/main" id="{6A3A5E84-E43B-20AE-E80D-47CB0B07BD7B}"/>
               </a:ext>
             </a:extLst>
           </p:cNvPr>
@@ -29526,7 +29582,7 @@
           <a:p>
             <a:fld id="{5DBDDF98-C922-483F-97E9-3E76B0201B42}" type="datetimeFigureOut">
               <a:rPr lang="en-US" smtClean="0"/>
-              <a:t>12/20/2023</a:t>
+              <a:t>12/29/2023</a:t>
             </a:fld>
             <a:endParaRPr lang="en-US"/>
           </a:p>
@@ -29537,7 +29593,7 @@
           <p:cNvPr id="4" name="Footer Placeholder 3">
             <a:extLst>
               <a:ext uri="{FF2B5EF4-FFF2-40B4-BE49-F238E27FC236}">
-                <a16:creationId xmlns:a16="http://schemas.microsoft.com/office/drawing/2014/main" xmlns="" id="{2AFF5797-14F1-9FEB-247C-0E325AF74D2E}"/>
+                <a16:creationId xmlns="" xmlns:a16="http://schemas.microsoft.com/office/drawing/2014/main" id="{2AFF5797-14F1-9FEB-247C-0E325AF74D2E}"/>
               </a:ext>
             </a:extLst>
           </p:cNvPr>
@@ -29562,7 +29618,7 @@
           <p:cNvPr id="5" name="Slide Number Placeholder 4">
             <a:extLst>
               <a:ext uri="{FF2B5EF4-FFF2-40B4-BE49-F238E27FC236}">
-                <a16:creationId xmlns:a16="http://schemas.microsoft.com/office/drawing/2014/main" xmlns="" id="{D5B5D7AF-1489-8F93-4828-0AE784B8BA8F}"/>
+                <a16:creationId xmlns="" xmlns:a16="http://schemas.microsoft.com/office/drawing/2014/main" id="{D5B5D7AF-1489-8F93-4828-0AE784B8BA8F}"/>
               </a:ext>
             </a:extLst>
           </p:cNvPr>
@@ -29621,7 +29677,7 @@
           <p:cNvPr id="2" name="Date Placeholder 1">
             <a:extLst>
               <a:ext uri="{FF2B5EF4-FFF2-40B4-BE49-F238E27FC236}">
-                <a16:creationId xmlns:a16="http://schemas.microsoft.com/office/drawing/2014/main" xmlns="" id="{8B6CAF1C-8901-AE05-E52C-D5B95941055B}"/>
+                <a16:creationId xmlns="" xmlns:a16="http://schemas.microsoft.com/office/drawing/2014/main" id="{8B6CAF1C-8901-AE05-E52C-D5B95941055B}"/>
               </a:ext>
             </a:extLst>
           </p:cNvPr>
@@ -29639,7 +29695,7 @@
           <a:p>
             <a:fld id="{5DBDDF98-C922-483F-97E9-3E76B0201B42}" type="datetimeFigureOut">
               <a:rPr lang="en-US" smtClean="0"/>
-              <a:t>12/20/2023</a:t>
+              <a:t>12/29/2023</a:t>
             </a:fld>
             <a:endParaRPr lang="en-US"/>
           </a:p>
@@ -29650,7 +29706,7 @@
           <p:cNvPr id="3" name="Footer Placeholder 2">
             <a:extLst>
               <a:ext uri="{FF2B5EF4-FFF2-40B4-BE49-F238E27FC236}">
-                <a16:creationId xmlns:a16="http://schemas.microsoft.com/office/drawing/2014/main" xmlns="" id="{E1CD4F90-2973-4FE2-6C2C-5C2AC5C5A8F4}"/>
+                <a16:creationId xmlns="" xmlns:a16="http://schemas.microsoft.com/office/drawing/2014/main" id="{E1CD4F90-2973-4FE2-6C2C-5C2AC5C5A8F4}"/>
               </a:ext>
             </a:extLst>
           </p:cNvPr>
@@ -29675,7 +29731,7 @@
           <p:cNvPr id="4" name="Slide Number Placeholder 3">
             <a:extLst>
               <a:ext uri="{FF2B5EF4-FFF2-40B4-BE49-F238E27FC236}">
-                <a16:creationId xmlns:a16="http://schemas.microsoft.com/office/drawing/2014/main" xmlns="" id="{FD50414B-A7EC-0C14-EFD2-29C5582CC184}"/>
+                <a16:creationId xmlns="" xmlns:a16="http://schemas.microsoft.com/office/drawing/2014/main" id="{FD50414B-A7EC-0C14-EFD2-29C5582CC184}"/>
               </a:ext>
             </a:extLst>
           </p:cNvPr>
@@ -29734,7 +29790,7 @@
           <p:cNvPr id="2" name="Title 1">
             <a:extLst>
               <a:ext uri="{FF2B5EF4-FFF2-40B4-BE49-F238E27FC236}">
-                <a16:creationId xmlns:a16="http://schemas.microsoft.com/office/drawing/2014/main" xmlns="" id="{A7E378C7-A764-C5E4-A6A4-DC5B1B3537FB}"/>
+                <a16:creationId xmlns="" xmlns:a16="http://schemas.microsoft.com/office/drawing/2014/main" id="{A7E378C7-A764-C5E4-A6A4-DC5B1B3537FB}"/>
               </a:ext>
             </a:extLst>
           </p:cNvPr>
@@ -29773,7 +29829,7 @@
           <p:cNvPr id="3" name="Content Placeholder 2">
             <a:extLst>
               <a:ext uri="{FF2B5EF4-FFF2-40B4-BE49-F238E27FC236}">
-                <a16:creationId xmlns:a16="http://schemas.microsoft.com/office/drawing/2014/main" xmlns="" id="{27DFE178-4B5D-413B-6583-AB81E8D04180}"/>
+                <a16:creationId xmlns="" xmlns:a16="http://schemas.microsoft.com/office/drawing/2014/main" id="{27DFE178-4B5D-413B-6583-AB81E8D04180}"/>
               </a:ext>
             </a:extLst>
           </p:cNvPr>
@@ -29865,7 +29921,7 @@
           <p:cNvPr id="4" name="Text Placeholder 3">
             <a:extLst>
               <a:ext uri="{FF2B5EF4-FFF2-40B4-BE49-F238E27FC236}">
-                <a16:creationId xmlns:a16="http://schemas.microsoft.com/office/drawing/2014/main" xmlns="" id="{8DB92F6D-71AB-9630-9DBE-46041C50C79A}"/>
+                <a16:creationId xmlns="" xmlns:a16="http://schemas.microsoft.com/office/drawing/2014/main" id="{8DB92F6D-71AB-9630-9DBE-46041C50C79A}"/>
               </a:ext>
             </a:extLst>
           </p:cNvPr>
@@ -29938,7 +29994,7 @@
           <p:cNvPr id="5" name="Date Placeholder 4">
             <a:extLst>
               <a:ext uri="{FF2B5EF4-FFF2-40B4-BE49-F238E27FC236}">
-                <a16:creationId xmlns:a16="http://schemas.microsoft.com/office/drawing/2014/main" xmlns="" id="{80FEAAD1-C919-6E2E-32D2-E199025FB8F9}"/>
+                <a16:creationId xmlns="" xmlns:a16="http://schemas.microsoft.com/office/drawing/2014/main" id="{80FEAAD1-C919-6E2E-32D2-E199025FB8F9}"/>
               </a:ext>
             </a:extLst>
           </p:cNvPr>
@@ -29956,7 +30012,7 @@
           <a:p>
             <a:fld id="{5DBDDF98-C922-483F-97E9-3E76B0201B42}" type="datetimeFigureOut">
               <a:rPr lang="en-US" smtClean="0"/>
-              <a:t>12/20/2023</a:t>
+              <a:t>12/29/2023</a:t>
             </a:fld>
             <a:endParaRPr lang="en-US"/>
           </a:p>
@@ -29967,7 +30023,7 @@
           <p:cNvPr id="6" name="Footer Placeholder 5">
             <a:extLst>
               <a:ext uri="{FF2B5EF4-FFF2-40B4-BE49-F238E27FC236}">
-                <a16:creationId xmlns:a16="http://schemas.microsoft.com/office/drawing/2014/main" xmlns="" id="{5288B5D8-E15B-BE38-2A89-BD0F02E1A048}"/>
+                <a16:creationId xmlns="" xmlns:a16="http://schemas.microsoft.com/office/drawing/2014/main" id="{5288B5D8-E15B-BE38-2A89-BD0F02E1A048}"/>
               </a:ext>
             </a:extLst>
           </p:cNvPr>
@@ -29992,7 +30048,7 @@
           <p:cNvPr id="7" name="Slide Number Placeholder 6">
             <a:extLst>
               <a:ext uri="{FF2B5EF4-FFF2-40B4-BE49-F238E27FC236}">
-                <a16:creationId xmlns:a16="http://schemas.microsoft.com/office/drawing/2014/main" xmlns="" id="{067ECC26-B78C-4CBD-6883-97E80D3E5165}"/>
+                <a16:creationId xmlns="" xmlns:a16="http://schemas.microsoft.com/office/drawing/2014/main" id="{067ECC26-B78C-4CBD-6883-97E80D3E5165}"/>
               </a:ext>
             </a:extLst>
           </p:cNvPr>
@@ -30051,7 +30107,7 @@
           <p:cNvPr id="2" name="Title 1">
             <a:extLst>
               <a:ext uri="{FF2B5EF4-FFF2-40B4-BE49-F238E27FC236}">
-                <a16:creationId xmlns:a16="http://schemas.microsoft.com/office/drawing/2014/main" xmlns="" id="{55A04EAA-30F7-390A-C77C-2E5BD8218BC0}"/>
+                <a16:creationId xmlns="" xmlns:a16="http://schemas.microsoft.com/office/drawing/2014/main" id="{55A04EAA-30F7-390A-C77C-2E5BD8218BC0}"/>
               </a:ext>
             </a:extLst>
           </p:cNvPr>
@@ -30090,7 +30146,7 @@
           <p:cNvPr id="3" name="Picture Placeholder 2">
             <a:extLst>
               <a:ext uri="{FF2B5EF4-FFF2-40B4-BE49-F238E27FC236}">
-                <a16:creationId xmlns:a16="http://schemas.microsoft.com/office/drawing/2014/main" xmlns="" id="{513A1C34-81AC-D534-67B1-42721228935F}"/>
+                <a16:creationId xmlns="" xmlns:a16="http://schemas.microsoft.com/office/drawing/2014/main" id="{513A1C34-81AC-D534-67B1-42721228935F}"/>
               </a:ext>
             </a:extLst>
           </p:cNvPr>
@@ -30157,7 +30213,7 @@
           <p:cNvPr id="4" name="Text Placeholder 3">
             <a:extLst>
               <a:ext uri="{FF2B5EF4-FFF2-40B4-BE49-F238E27FC236}">
-                <a16:creationId xmlns:a16="http://schemas.microsoft.com/office/drawing/2014/main" xmlns="" id="{C0E1012D-3524-26C6-64C1-8CE6E7A9A29B}"/>
+                <a16:creationId xmlns="" xmlns:a16="http://schemas.microsoft.com/office/drawing/2014/main" id="{C0E1012D-3524-26C6-64C1-8CE6E7A9A29B}"/>
               </a:ext>
             </a:extLst>
           </p:cNvPr>
@@ -30230,7 +30286,7 @@
           <p:cNvPr id="5" name="Date Placeholder 4">
             <a:extLst>
               <a:ext uri="{FF2B5EF4-FFF2-40B4-BE49-F238E27FC236}">
-                <a16:creationId xmlns:a16="http://schemas.microsoft.com/office/drawing/2014/main" xmlns="" id="{7E8FA6D7-1BE0-F14D-A2F7-4836180BC3B9}"/>
+                <a16:creationId xmlns="" xmlns:a16="http://schemas.microsoft.com/office/drawing/2014/main" id="{7E8FA6D7-1BE0-F14D-A2F7-4836180BC3B9}"/>
               </a:ext>
             </a:extLst>
           </p:cNvPr>
@@ -30248,7 +30304,7 @@
           <a:p>
             <a:fld id="{5DBDDF98-C922-483F-97E9-3E76B0201B42}" type="datetimeFigureOut">
               <a:rPr lang="en-US" smtClean="0"/>
-              <a:t>12/20/2023</a:t>
+              <a:t>12/29/2023</a:t>
             </a:fld>
             <a:endParaRPr lang="en-US"/>
           </a:p>
@@ -30259,7 +30315,7 @@
           <p:cNvPr id="6" name="Footer Placeholder 5">
             <a:extLst>
               <a:ext uri="{FF2B5EF4-FFF2-40B4-BE49-F238E27FC236}">
-                <a16:creationId xmlns:a16="http://schemas.microsoft.com/office/drawing/2014/main" xmlns="" id="{0556B5AC-3F20-FDC1-D579-7C4C6B4ED037}"/>
+                <a16:creationId xmlns="" xmlns:a16="http://schemas.microsoft.com/office/drawing/2014/main" id="{0556B5AC-3F20-FDC1-D579-7C4C6B4ED037}"/>
               </a:ext>
             </a:extLst>
           </p:cNvPr>
@@ -30284,7 +30340,7 @@
           <p:cNvPr id="7" name="Slide Number Placeholder 6">
             <a:extLst>
               <a:ext uri="{FF2B5EF4-FFF2-40B4-BE49-F238E27FC236}">
-                <a16:creationId xmlns:a16="http://schemas.microsoft.com/office/drawing/2014/main" xmlns="" id="{7E074ACA-1D54-81FA-70B1-31AB3011B3C6}"/>
+                <a16:creationId xmlns="" xmlns:a16="http://schemas.microsoft.com/office/drawing/2014/main" id="{7E074ACA-1D54-81FA-70B1-31AB3011B3C6}"/>
               </a:ext>
             </a:extLst>
           </p:cNvPr>
@@ -30348,7 +30404,7 @@
           <p:cNvPr id="2" name="Title Placeholder 1">
             <a:extLst>
               <a:ext uri="{FF2B5EF4-FFF2-40B4-BE49-F238E27FC236}">
-                <a16:creationId xmlns:a16="http://schemas.microsoft.com/office/drawing/2014/main" xmlns="" id="{16792104-6F24-CD50-F55E-22A55084DDC9}"/>
+                <a16:creationId xmlns="" xmlns:a16="http://schemas.microsoft.com/office/drawing/2014/main" id="{16792104-6F24-CD50-F55E-22A55084DDC9}"/>
               </a:ext>
             </a:extLst>
           </p:cNvPr>
@@ -30386,7 +30442,7 @@
           <p:cNvPr id="3" name="Text Placeholder 2">
             <a:extLst>
               <a:ext uri="{FF2B5EF4-FFF2-40B4-BE49-F238E27FC236}">
-                <a16:creationId xmlns:a16="http://schemas.microsoft.com/office/drawing/2014/main" xmlns="" id="{2D1059CB-D00E-398D-E4D9-59792FC40A4C}"/>
+                <a16:creationId xmlns="" xmlns:a16="http://schemas.microsoft.com/office/drawing/2014/main" id="{2D1059CB-D00E-398D-E4D9-59792FC40A4C}"/>
               </a:ext>
             </a:extLst>
           </p:cNvPr>
@@ -30453,7 +30509,7 @@
           <p:cNvPr id="4" name="Date Placeholder 3">
             <a:extLst>
               <a:ext uri="{FF2B5EF4-FFF2-40B4-BE49-F238E27FC236}">
-                <a16:creationId xmlns:a16="http://schemas.microsoft.com/office/drawing/2014/main" xmlns="" id="{F8DFBC38-D897-7CBE-AC89-A95A2222D7C8}"/>
+                <a16:creationId xmlns="" xmlns:a16="http://schemas.microsoft.com/office/drawing/2014/main" id="{F8DFBC38-D897-7CBE-AC89-A95A2222D7C8}"/>
               </a:ext>
             </a:extLst>
           </p:cNvPr>
@@ -30489,7 +30545,7 @@
             <a:fld id="{5DBDDF98-C922-483F-97E9-3E76B0201B42}" type="datetimeFigureOut">
               <a:rPr lang="en-US" smtClean="0"/>
               <a:pPr/>
-              <a:t>12/20/2023</a:t>
+              <a:t>12/29/2023</a:t>
             </a:fld>
             <a:endParaRPr lang="en-US"/>
           </a:p>
@@ -30500,7 +30556,7 @@
           <p:cNvPr id="5" name="Footer Placeholder 4">
             <a:extLst>
               <a:ext uri="{FF2B5EF4-FFF2-40B4-BE49-F238E27FC236}">
-                <a16:creationId xmlns:a16="http://schemas.microsoft.com/office/drawing/2014/main" xmlns="" id="{E6728008-2A03-D518-4A75-30816EB0D198}"/>
+                <a16:creationId xmlns="" xmlns:a16="http://schemas.microsoft.com/office/drawing/2014/main" id="{E6728008-2A03-D518-4A75-30816EB0D198}"/>
               </a:ext>
             </a:extLst>
           </p:cNvPr>
@@ -30542,7 +30598,7 @@
           <p:cNvPr id="6" name="Slide Number Placeholder 5">
             <a:extLst>
               <a:ext uri="{FF2B5EF4-FFF2-40B4-BE49-F238E27FC236}">
-                <a16:creationId xmlns:a16="http://schemas.microsoft.com/office/drawing/2014/main" xmlns="" id="{F3691D49-2BD8-1C36-B43A-CF2F9177769B}"/>
+                <a16:creationId xmlns="" xmlns:a16="http://schemas.microsoft.com/office/drawing/2014/main" id="{F3691D49-2BD8-1C36-B43A-CF2F9177769B}"/>
               </a:ext>
             </a:extLst>
           </p:cNvPr>
@@ -30934,10 +30990,10 @@
           <p:cNvPr id="9" name="Rectangle 8">
             <a:extLst>
               <a:ext uri="{FF2B5EF4-FFF2-40B4-BE49-F238E27FC236}">
-                <a16:creationId xmlns:a16="http://schemas.microsoft.com/office/drawing/2014/main" xmlns="" id="{65735658-270A-8D75-091E-AFB444A3D617}"/>
+                <a16:creationId xmlns="" xmlns:a16="http://schemas.microsoft.com/office/drawing/2014/main" id="{65735658-270A-8D75-091E-AFB444A3D617}"/>
               </a:ext>
               <a:ext uri="{C183D7F6-B498-43B3-948B-1728B52AA6E4}">
-                <adec:decorative xmlns:adec="http://schemas.microsoft.com/office/drawing/2017/decorative" xmlns="" val="1"/>
+                <adec:decorative xmlns="" xmlns:adec="http://schemas.microsoft.com/office/drawing/2017/decorative" val="1"/>
               </a:ext>
             </a:extLst>
           </p:cNvPr>
@@ -30947,7 +31003,7 @@
           <p:nvPr>
             <p:extLst>
               <p:ext uri="{386F3935-93C4-4BCD-93E2-E3B085C9AB24}">
-                <p16:designElem xmlns:p16="http://schemas.microsoft.com/office/powerpoint/2015/main" xmlns="" val="1"/>
+                <p16:designElem xmlns="" xmlns:p16="http://schemas.microsoft.com/office/powerpoint/2015/main" val="1"/>
               </p:ext>
             </p:extLst>
           </p:nvPr>
@@ -31010,7 +31066,7 @@
           <p:cNvPr id="3" name="Picture 2">
             <a:extLst>
               <a:ext uri="{FF2B5EF4-FFF2-40B4-BE49-F238E27FC236}">
-                <a16:creationId xmlns:a16="http://schemas.microsoft.com/office/drawing/2014/main" xmlns="" id="{6499E925-0B6B-245E-4339-72E057801433}"/>
+                <a16:creationId xmlns="" xmlns:a16="http://schemas.microsoft.com/office/drawing/2014/main" id="{6499E925-0B6B-245E-4339-72E057801433}"/>
               </a:ext>
             </a:extLst>
           </p:cNvPr>
@@ -31041,10 +31097,10 @@
           <p:cNvPr id="11" name="Rectangle 10">
             <a:extLst>
               <a:ext uri="{FF2B5EF4-FFF2-40B4-BE49-F238E27FC236}">
-                <a16:creationId xmlns:a16="http://schemas.microsoft.com/office/drawing/2014/main" xmlns="" id="{F9FB1C88-5F1D-C7DF-A4B3-E8EE7F6BF322}"/>
+                <a16:creationId xmlns="" xmlns:a16="http://schemas.microsoft.com/office/drawing/2014/main" id="{F9FB1C88-5F1D-C7DF-A4B3-E8EE7F6BF322}"/>
               </a:ext>
               <a:ext uri="{C183D7F6-B498-43B3-948B-1728B52AA6E4}">
-                <adec:decorative xmlns:adec="http://schemas.microsoft.com/office/drawing/2017/decorative" xmlns="" val="1"/>
+                <adec:decorative xmlns="" xmlns:adec="http://schemas.microsoft.com/office/drawing/2017/decorative" val="1"/>
               </a:ext>
             </a:extLst>
           </p:cNvPr>
@@ -31054,7 +31110,7 @@
           <p:nvPr>
             <p:extLst>
               <p:ext uri="{386F3935-93C4-4BCD-93E2-E3B085C9AB24}">
-                <p16:designElem xmlns:p16="http://schemas.microsoft.com/office/powerpoint/2015/main" xmlns="" val="1"/>
+                <p16:designElem xmlns="" xmlns:p16="http://schemas.microsoft.com/office/powerpoint/2015/main" val="1"/>
               </p:ext>
             </p:extLst>
           </p:nvPr>
@@ -31126,10 +31182,10 @@
           <p:cNvPr id="13" name="Freeform: Shape 12">
             <a:extLst>
               <a:ext uri="{FF2B5EF4-FFF2-40B4-BE49-F238E27FC236}">
-                <a16:creationId xmlns:a16="http://schemas.microsoft.com/office/drawing/2014/main" xmlns="" id="{4711BF64-C99B-2F90-ADA1-0C08F9BE8392}"/>
+                <a16:creationId xmlns="" xmlns:a16="http://schemas.microsoft.com/office/drawing/2014/main" id="{4711BF64-C99B-2F90-ADA1-0C08F9BE8392}"/>
               </a:ext>
               <a:ext uri="{C183D7F6-B498-43B3-948B-1728B52AA6E4}">
-                <adec:decorative xmlns:adec="http://schemas.microsoft.com/office/drawing/2017/decorative" xmlns="" val="1"/>
+                <adec:decorative xmlns="" xmlns:adec="http://schemas.microsoft.com/office/drawing/2017/decorative" val="1"/>
               </a:ext>
             </a:extLst>
           </p:cNvPr>
@@ -31139,7 +31195,7 @@
           <p:nvPr>
             <p:extLst>
               <p:ext uri="{386F3935-93C4-4BCD-93E2-E3B085C9AB24}">
-                <p16:designElem xmlns:p16="http://schemas.microsoft.com/office/powerpoint/2015/main" xmlns="" val="1"/>
+                <p16:designElem xmlns="" xmlns:p16="http://schemas.microsoft.com/office/powerpoint/2015/main" val="1"/>
               </p:ext>
             </p:extLst>
           </p:nvPr>
@@ -31471,10 +31527,10 @@
           <p:cNvPr id="19" name="Rectangle 18">
             <a:extLst>
               <a:ext uri="{FF2B5EF4-FFF2-40B4-BE49-F238E27FC236}">
-                <a16:creationId xmlns:a16="http://schemas.microsoft.com/office/drawing/2014/main" xmlns="" id="{436866BF-907B-F3CF-1C75-682CE4654ACA}"/>
+                <a16:creationId xmlns="" xmlns:a16="http://schemas.microsoft.com/office/drawing/2014/main" id="{436866BF-907B-F3CF-1C75-682CE4654ACA}"/>
               </a:ext>
               <a:ext uri="{C183D7F6-B498-43B3-948B-1728B52AA6E4}">
-                <adec:decorative xmlns:adec="http://schemas.microsoft.com/office/drawing/2017/decorative" xmlns="" val="1"/>
+                <adec:decorative xmlns="" xmlns:adec="http://schemas.microsoft.com/office/drawing/2017/decorative" val="1"/>
               </a:ext>
             </a:extLst>
           </p:cNvPr>
@@ -31484,7 +31540,7 @@
           <p:nvPr>
             <p:extLst>
               <p:ext uri="{386F3935-93C4-4BCD-93E2-E3B085C9AB24}">
-                <p16:designElem xmlns:p16="http://schemas.microsoft.com/office/powerpoint/2015/main" xmlns="" val="1"/>
+                <p16:designElem xmlns="" xmlns:p16="http://schemas.microsoft.com/office/powerpoint/2015/main" val="1"/>
               </p:ext>
             </p:extLst>
           </p:nvPr>
@@ -31547,10 +31603,10 @@
           <p:cNvPr id="21" name="Rectangle 20">
             <a:extLst>
               <a:ext uri="{FF2B5EF4-FFF2-40B4-BE49-F238E27FC236}">
-                <a16:creationId xmlns:a16="http://schemas.microsoft.com/office/drawing/2014/main" xmlns="" id="{736A0EBA-CF02-9F8F-3400-6D3324AA86E3}"/>
+                <a16:creationId xmlns="" xmlns:a16="http://schemas.microsoft.com/office/drawing/2014/main" id="{736A0EBA-CF02-9F8F-3400-6D3324AA86E3}"/>
               </a:ext>
               <a:ext uri="{C183D7F6-B498-43B3-948B-1728B52AA6E4}">
-                <adec:decorative xmlns:adec="http://schemas.microsoft.com/office/drawing/2017/decorative" xmlns="" val="1"/>
+                <adec:decorative xmlns="" xmlns:adec="http://schemas.microsoft.com/office/drawing/2017/decorative" val="1"/>
               </a:ext>
             </a:extLst>
           </p:cNvPr>
@@ -31560,7 +31616,7 @@
           <p:nvPr>
             <p:extLst>
               <p:ext uri="{386F3935-93C4-4BCD-93E2-E3B085C9AB24}">
-                <p16:designElem xmlns:p16="http://schemas.microsoft.com/office/powerpoint/2015/main" xmlns="" val="1"/>
+                <p16:designElem xmlns="" xmlns:p16="http://schemas.microsoft.com/office/powerpoint/2015/main" val="1"/>
               </p:ext>
             </p:extLst>
           </p:nvPr>
@@ -31639,7 +31695,7 @@
           <p:cNvPr id="9" name="Date Placeholder 6">
             <a:extLst>
               <a:ext uri="{FF2B5EF4-FFF2-40B4-BE49-F238E27FC236}">
-                <a16:creationId xmlns:a16="http://schemas.microsoft.com/office/drawing/2014/main" xmlns="" id="{BAEFCE30-20EC-D2F4-5BD8-89CDAE28D2E9}"/>
+                <a16:creationId xmlns="" xmlns:a16="http://schemas.microsoft.com/office/drawing/2014/main" id="{BAEFCE30-20EC-D2F4-5BD8-89CDAE28D2E9}"/>
               </a:ext>
             </a:extLst>
           </p:cNvPr>
@@ -31674,7 +31730,7 @@
                   <a:spcPts val="600"/>
                 </a:spcAft>
               </a:pPr>
-              <a:t>12/20/2023</a:t>
+              <a:t>12/29/2023</a:t>
             </a:fld>
             <a:endParaRPr lang="en-US"/>
           </a:p>
@@ -31685,7 +31741,7 @@
           <p:cNvPr id="15" name="Content Placeholder">
             <a:extLst>
               <a:ext uri="{FF2B5EF4-FFF2-40B4-BE49-F238E27FC236}">
-                <a16:creationId xmlns:a16="http://schemas.microsoft.com/office/drawing/2014/main" xmlns="" id="{5EBA0C9E-A854-83E8-3460-2798CEDD0714}"/>
+                <a16:creationId xmlns="" xmlns:a16="http://schemas.microsoft.com/office/drawing/2014/main" id="{5EBA0C9E-A854-83E8-3460-2798CEDD0714}"/>
               </a:ext>
             </a:extLst>
           </p:cNvPr>
@@ -31754,10 +31810,10 @@
           <p:cNvPr id="19" name="Rectangle 18">
             <a:extLst>
               <a:ext uri="{FF2B5EF4-FFF2-40B4-BE49-F238E27FC236}">
-                <a16:creationId xmlns:a16="http://schemas.microsoft.com/office/drawing/2014/main" xmlns="" id="{ABC67A93-7858-32FE-C933-3BFD58E16933}"/>
+                <a16:creationId xmlns="" xmlns:a16="http://schemas.microsoft.com/office/drawing/2014/main" id="{ABC67A93-7858-32FE-C933-3BFD58E16933}"/>
               </a:ext>
               <a:ext uri="{C183D7F6-B498-43B3-948B-1728B52AA6E4}">
-                <adec:decorative xmlns:adec="http://schemas.microsoft.com/office/drawing/2017/decorative" xmlns="" val="1"/>
+                <adec:decorative xmlns="" xmlns:adec="http://schemas.microsoft.com/office/drawing/2017/decorative" val="1"/>
               </a:ext>
             </a:extLst>
           </p:cNvPr>
@@ -31767,7 +31823,7 @@
           <p:nvPr>
             <p:extLst>
               <p:ext uri="{386F3935-93C4-4BCD-93E2-E3B085C9AB24}">
-                <p16:designElem xmlns:p16="http://schemas.microsoft.com/office/powerpoint/2015/main" xmlns="" val="1"/>
+                <p16:designElem xmlns="" xmlns:p16="http://schemas.microsoft.com/office/powerpoint/2015/main" val="1"/>
               </p:ext>
             </p:extLst>
           </p:nvPr>
@@ -31830,10 +31886,10 @@
           <p:cNvPr id="21" name="Rectangle 20">
             <a:extLst>
               <a:ext uri="{FF2B5EF4-FFF2-40B4-BE49-F238E27FC236}">
-                <a16:creationId xmlns:a16="http://schemas.microsoft.com/office/drawing/2014/main" xmlns="" id="{D150D424-378A-5EAF-BEF3-AB85F9E35F0E}"/>
+                <a16:creationId xmlns="" xmlns:a16="http://schemas.microsoft.com/office/drawing/2014/main" id="{D150D424-378A-5EAF-BEF3-AB85F9E35F0E}"/>
               </a:ext>
               <a:ext uri="{C183D7F6-B498-43B3-948B-1728B52AA6E4}">
-                <adec:decorative xmlns:adec="http://schemas.microsoft.com/office/drawing/2017/decorative" xmlns="" val="1"/>
+                <adec:decorative xmlns="" xmlns:adec="http://schemas.microsoft.com/office/drawing/2017/decorative" val="1"/>
               </a:ext>
             </a:extLst>
           </p:cNvPr>
@@ -31843,7 +31899,7 @@
           <p:nvPr>
             <p:extLst>
               <p:ext uri="{386F3935-93C4-4BCD-93E2-E3B085C9AB24}">
-                <p16:designElem xmlns:p16="http://schemas.microsoft.com/office/powerpoint/2015/main" xmlns="" val="1"/>
+                <p16:designElem xmlns="" xmlns:p16="http://schemas.microsoft.com/office/powerpoint/2015/main" val="1"/>
               </p:ext>
             </p:extLst>
           </p:nvPr>
@@ -31922,7 +31978,7 @@
           <p:cNvPr id="9" name="Date Placeholder 6">
             <a:extLst>
               <a:ext uri="{FF2B5EF4-FFF2-40B4-BE49-F238E27FC236}">
-                <a16:creationId xmlns:a16="http://schemas.microsoft.com/office/drawing/2014/main" xmlns="" id="{BAEFCE30-20EC-D2F4-5BD8-89CDAE28D2E9}"/>
+                <a16:creationId xmlns="" xmlns:a16="http://schemas.microsoft.com/office/drawing/2014/main" id="{BAEFCE30-20EC-D2F4-5BD8-89CDAE28D2E9}"/>
               </a:ext>
             </a:extLst>
           </p:cNvPr>
@@ -31957,7 +32013,7 @@
                   <a:spcPts val="600"/>
                 </a:spcAft>
               </a:pPr>
-              <a:t>12/20/2023</a:t>
+              <a:t>12/29/2023</a:t>
             </a:fld>
             <a:endParaRPr lang="en-US"/>
           </a:p>
@@ -31968,7 +32024,7 @@
           <p:cNvPr id="15" name="Content Placeholder">
             <a:extLst>
               <a:ext uri="{FF2B5EF4-FFF2-40B4-BE49-F238E27FC236}">
-                <a16:creationId xmlns:a16="http://schemas.microsoft.com/office/drawing/2014/main" xmlns="" id="{0BA025BA-4ED4-4164-EE0E-F5740E7633AF}"/>
+                <a16:creationId xmlns="" xmlns:a16="http://schemas.microsoft.com/office/drawing/2014/main" id="{0BA025BA-4ED4-4164-EE0E-F5740E7633AF}"/>
               </a:ext>
             </a:extLst>
           </p:cNvPr>
@@ -31979,7 +32035,7 @@
             <p:ph idx="1"/>
             <p:extLst>
               <p:ext uri="{D42A27DB-BD31-4B8C-83A1-F6EECF244321}">
-                <p14:modId xmlns:p14="http://schemas.microsoft.com/office/powerpoint/2010/main" val="2544509759"/>
+                <p14:modId xmlns:p14="http://schemas.microsoft.com/office/powerpoint/2010/main" val="4274488645"/>
               </p:ext>
             </p:extLst>
           </p:nvPr>
@@ -31994,6 +32050,30 @@
           </a:graphicData>
         </a:graphic>
       </p:graphicFrame>
+      <p:pic>
+        <p:nvPicPr>
+          <p:cNvPr id="3" name="Picture 2"/>
+          <p:cNvPicPr>
+            <a:picLocks noChangeAspect="1"/>
+          </p:cNvPicPr>
+          <p:nvPr/>
+        </p:nvPicPr>
+        <p:blipFill>
+          <a:blip r:embed="rId7"/>
+          <a:stretch>
+            <a:fillRect/>
+          </a:stretch>
+        </p:blipFill>
+        <p:spPr>
+          <a:xfrm>
+            <a:off x="6253152" y="3570690"/>
+            <a:ext cx="4932609" cy="1937540"/>
+          </a:xfrm>
+          <a:prstGeom prst="rect">
+            <a:avLst/>
+          </a:prstGeom>
+        </p:spPr>
+      </p:pic>
     </p:spTree>
     <p:extLst>
       <p:ext uri="{BB962C8B-B14F-4D97-AF65-F5344CB8AC3E}">
@@ -32037,10 +32117,10 @@
           <p:cNvPr id="24" name="Rectangle 23">
             <a:extLst>
               <a:ext uri="{FF2B5EF4-FFF2-40B4-BE49-F238E27FC236}">
-                <a16:creationId xmlns:a16="http://schemas.microsoft.com/office/drawing/2014/main" xmlns="" id="{D150D424-378A-5EAF-BEF3-AB85F9E35F0E}"/>
+                <a16:creationId xmlns="" xmlns:a16="http://schemas.microsoft.com/office/drawing/2014/main" id="{D150D424-378A-5EAF-BEF3-AB85F9E35F0E}"/>
               </a:ext>
               <a:ext uri="{C183D7F6-B498-43B3-948B-1728B52AA6E4}">
-                <adec:decorative xmlns:adec="http://schemas.microsoft.com/office/drawing/2017/decorative" xmlns="" val="1"/>
+                <adec:decorative xmlns="" xmlns:adec="http://schemas.microsoft.com/office/drawing/2017/decorative" val="1"/>
               </a:ext>
             </a:extLst>
           </p:cNvPr>
@@ -32050,7 +32130,7 @@
           <p:nvPr>
             <p:extLst>
               <p:ext uri="{386F3935-93C4-4BCD-93E2-E3B085C9AB24}">
-                <p16:designElem xmlns:p16="http://schemas.microsoft.com/office/powerpoint/2015/main" xmlns="" val="1"/>
+                <p16:designElem xmlns="" xmlns:p16="http://schemas.microsoft.com/office/powerpoint/2015/main" val="1"/>
               </p:ext>
             </p:extLst>
           </p:nvPr>
@@ -32134,7 +32214,7 @@
           <p:cNvPr id="9" name="Date Placeholder 6">
             <a:extLst>
               <a:ext uri="{FF2B5EF4-FFF2-40B4-BE49-F238E27FC236}">
-                <a16:creationId xmlns:a16="http://schemas.microsoft.com/office/drawing/2014/main" xmlns="" id="{BAEFCE30-20EC-D2F4-5BD8-89CDAE28D2E9}"/>
+                <a16:creationId xmlns="" xmlns:a16="http://schemas.microsoft.com/office/drawing/2014/main" id="{BAEFCE30-20EC-D2F4-5BD8-89CDAE28D2E9}"/>
               </a:ext>
             </a:extLst>
           </p:cNvPr>
@@ -32169,7 +32249,7 @@
                   <a:spcPts val="600"/>
                 </a:spcAft>
               </a:pPr>
-              <a:t>12/20/2023</a:t>
+              <a:t>12/29/2023</a:t>
             </a:fld>
             <a:endParaRPr lang="en-US"/>
           </a:p>
@@ -32180,7 +32260,7 @@
           <p:cNvPr id="25" name="Content Placeholder">
             <a:extLst>
               <a:ext uri="{FF2B5EF4-FFF2-40B4-BE49-F238E27FC236}">
-                <a16:creationId xmlns:a16="http://schemas.microsoft.com/office/drawing/2014/main" xmlns="" id="{DA85431A-7999-A4B5-7DA4-E5613EB349CC}"/>
+                <a16:creationId xmlns="" xmlns:a16="http://schemas.microsoft.com/office/drawing/2014/main" id="{DA85431A-7999-A4B5-7DA4-E5613EB349CC}"/>
               </a:ext>
             </a:extLst>
           </p:cNvPr>
@@ -32300,7 +32380,7 @@
           <p:cNvPr id="9" name="Date Placeholder 14">
             <a:extLst>
               <a:ext uri="{FF2B5EF4-FFF2-40B4-BE49-F238E27FC236}">
-                <a16:creationId xmlns:a16="http://schemas.microsoft.com/office/drawing/2014/main" xmlns="" id="{673D1B81-B8EF-347D-3624-BE8AC8BA7082}"/>
+                <a16:creationId xmlns="" xmlns:a16="http://schemas.microsoft.com/office/drawing/2014/main" id="{673D1B81-B8EF-347D-3624-BE8AC8BA7082}"/>
               </a:ext>
             </a:extLst>
           </p:cNvPr>
@@ -32333,7 +32413,7 @@
                   <a:spcPts val="600"/>
                 </a:spcAft>
               </a:pPr>
-              <a:t>12/20/2023</a:t>
+              <a:t>12/29/2023</a:t>
             </a:fld>
             <a:endParaRPr lang="en-US"/>
           </a:p>
@@ -32344,7 +32424,7 @@
           <p:cNvPr id="11" name="Footer Placeholder 15">
             <a:extLst>
               <a:ext uri="{FF2B5EF4-FFF2-40B4-BE49-F238E27FC236}">
-                <a16:creationId xmlns:a16="http://schemas.microsoft.com/office/drawing/2014/main" xmlns="" id="{718CA18C-7C63-A380-1EBD-94242A371EB5}"/>
+                <a16:creationId xmlns="" xmlns:a16="http://schemas.microsoft.com/office/drawing/2014/main" id="{718CA18C-7C63-A380-1EBD-94242A371EB5}"/>
               </a:ext>
             </a:extLst>
           </p:cNvPr>
@@ -32382,7 +32462,7 @@
           <p:cNvPr id="13" name="Slide Number Placeholder 16">
             <a:extLst>
               <a:ext uri="{FF2B5EF4-FFF2-40B4-BE49-F238E27FC236}">
-                <a16:creationId xmlns:a16="http://schemas.microsoft.com/office/drawing/2014/main" xmlns="" id="{E8226B91-0A80-0B15-7F9A-8B178074886A}"/>
+                <a16:creationId xmlns="" xmlns:a16="http://schemas.microsoft.com/office/drawing/2014/main" id="{E8226B91-0A80-0B15-7F9A-8B178074886A}"/>
               </a:ext>
             </a:extLst>
           </p:cNvPr>
@@ -32464,10 +32544,10 @@
           <p:cNvPr id="23" name="Rectangle 22">
             <a:extLst>
               <a:ext uri="{FF2B5EF4-FFF2-40B4-BE49-F238E27FC236}">
-                <a16:creationId xmlns:a16="http://schemas.microsoft.com/office/drawing/2014/main" xmlns="" id="{ABC67A93-7858-32FE-C933-3BFD58E16933}"/>
+                <a16:creationId xmlns="" xmlns:a16="http://schemas.microsoft.com/office/drawing/2014/main" id="{ABC67A93-7858-32FE-C933-3BFD58E16933}"/>
               </a:ext>
               <a:ext uri="{C183D7F6-B498-43B3-948B-1728B52AA6E4}">
-                <adec:decorative xmlns:adec="http://schemas.microsoft.com/office/drawing/2017/decorative" xmlns="" val="1"/>
+                <adec:decorative xmlns="" xmlns:adec="http://schemas.microsoft.com/office/drawing/2017/decorative" val="1"/>
               </a:ext>
             </a:extLst>
           </p:cNvPr>
@@ -32477,7 +32557,7 @@
           <p:nvPr>
             <p:extLst>
               <p:ext uri="{386F3935-93C4-4BCD-93E2-E3B085C9AB24}">
-                <p16:designElem xmlns:p16="http://schemas.microsoft.com/office/powerpoint/2015/main" xmlns="" val="1"/>
+                <p16:designElem xmlns="" xmlns:p16="http://schemas.microsoft.com/office/powerpoint/2015/main" val="1"/>
               </p:ext>
             </p:extLst>
           </p:nvPr>
@@ -32540,7 +32620,7 @@
           <p:cNvPr id="9" name="Date Placeholder 6">
             <a:extLst>
               <a:ext uri="{FF2B5EF4-FFF2-40B4-BE49-F238E27FC236}">
-                <a16:creationId xmlns:a16="http://schemas.microsoft.com/office/drawing/2014/main" xmlns="" id="{BAEFCE30-20EC-D2F4-5BD8-89CDAE28D2E9}"/>
+                <a16:creationId xmlns="" xmlns:a16="http://schemas.microsoft.com/office/drawing/2014/main" id="{BAEFCE30-20EC-D2F4-5BD8-89CDAE28D2E9}"/>
               </a:ext>
             </a:extLst>
           </p:cNvPr>
@@ -32575,7 +32655,7 @@
                   <a:spcPts val="600"/>
                 </a:spcAft>
               </a:pPr>
-              <a:t>12/20/2023</a:t>
+              <a:t>12/29/2023</a:t>
             </a:fld>
             <a:endParaRPr lang="en-US"/>
           </a:p>
@@ -32586,7 +32666,7 @@
           <p:cNvPr id="11" name="Footer Placeholder 8">
             <a:extLst>
               <a:ext uri="{FF2B5EF4-FFF2-40B4-BE49-F238E27FC236}">
-                <a16:creationId xmlns:a16="http://schemas.microsoft.com/office/drawing/2014/main" xmlns="" id="{0D8F3B5B-733B-74EA-B1EA-66EE6B84D4B8}"/>
+                <a16:creationId xmlns="" xmlns:a16="http://schemas.microsoft.com/office/drawing/2014/main" id="{0D8F3B5B-733B-74EA-B1EA-66EE6B84D4B8}"/>
               </a:ext>
             </a:extLst>
           </p:cNvPr>
@@ -32626,7 +32706,7 @@
           <p:cNvPr id="13" name="Slide Number Placeholder 9">
             <a:extLst>
               <a:ext uri="{FF2B5EF4-FFF2-40B4-BE49-F238E27FC236}">
-                <a16:creationId xmlns:a16="http://schemas.microsoft.com/office/drawing/2014/main" xmlns="" id="{7FAFA6F5-E91F-C30E-BCAF-01C3F9CB40CF}"/>
+                <a16:creationId xmlns="" xmlns:a16="http://schemas.microsoft.com/office/drawing/2014/main" id="{7FAFA6F5-E91F-C30E-BCAF-01C3F9CB40CF}"/>
               </a:ext>
             </a:extLst>
           </p:cNvPr>
@@ -32672,7 +32752,7 @@
           <p:cNvPr id="25" name="Content Placeholder">
             <a:extLst>
               <a:ext uri="{FF2B5EF4-FFF2-40B4-BE49-F238E27FC236}">
-                <a16:creationId xmlns:a16="http://schemas.microsoft.com/office/drawing/2014/main" xmlns="" id="{CBEB9CB9-E09E-C0F7-92D4-1AE998539A64}"/>
+                <a16:creationId xmlns="" xmlns:a16="http://schemas.microsoft.com/office/drawing/2014/main" id="{CBEB9CB9-E09E-C0F7-92D4-1AE998539A64}"/>
               </a:ext>
             </a:extLst>
           </p:cNvPr>
@@ -32741,10 +32821,10 @@
           <p:cNvPr id="22" name="Rectangle 21">
             <a:extLst>
               <a:ext uri="{FF2B5EF4-FFF2-40B4-BE49-F238E27FC236}">
-                <a16:creationId xmlns:a16="http://schemas.microsoft.com/office/drawing/2014/main" xmlns="" id="{587A646C-2187-B724-668D-DCCBB749C044}"/>
+                <a16:creationId xmlns="" xmlns:a16="http://schemas.microsoft.com/office/drawing/2014/main" id="{587A646C-2187-B724-668D-DCCBB749C044}"/>
               </a:ext>
               <a:ext uri="{C183D7F6-B498-43B3-948B-1728B52AA6E4}">
-                <adec:decorative xmlns:adec="http://schemas.microsoft.com/office/drawing/2017/decorative" xmlns="" val="1"/>
+                <adec:decorative xmlns="" xmlns:adec="http://schemas.microsoft.com/office/drawing/2017/decorative" val="1"/>
               </a:ext>
             </a:extLst>
           </p:cNvPr>
@@ -32754,7 +32834,7 @@
           <p:nvPr>
             <p:extLst>
               <p:ext uri="{386F3935-93C4-4BCD-93E2-E3B085C9AB24}">
-                <p16:designElem xmlns:p16="http://schemas.microsoft.com/office/powerpoint/2015/main" xmlns="" val="1"/>
+                <p16:designElem xmlns="" xmlns:p16="http://schemas.microsoft.com/office/powerpoint/2015/main" val="1"/>
               </p:ext>
             </p:extLst>
           </p:nvPr>
@@ -32817,10 +32897,10 @@
           <p:cNvPr id="23" name="Rectangle 22">
             <a:extLst>
               <a:ext uri="{FF2B5EF4-FFF2-40B4-BE49-F238E27FC236}">
-                <a16:creationId xmlns:a16="http://schemas.microsoft.com/office/drawing/2014/main" xmlns="" id="{E4E6A549-BA0F-650D-E1CE-08C55A93F629}"/>
+                <a16:creationId xmlns="" xmlns:a16="http://schemas.microsoft.com/office/drawing/2014/main" id="{E4E6A549-BA0F-650D-E1CE-08C55A93F629}"/>
               </a:ext>
               <a:ext uri="{C183D7F6-B498-43B3-948B-1728B52AA6E4}">
-                <adec:decorative xmlns:adec="http://schemas.microsoft.com/office/drawing/2017/decorative" xmlns="" val="1"/>
+                <adec:decorative xmlns="" xmlns:adec="http://schemas.microsoft.com/office/drawing/2017/decorative" val="1"/>
               </a:ext>
             </a:extLst>
           </p:cNvPr>
@@ -32830,7 +32910,7 @@
           <p:nvPr>
             <p:extLst>
               <p:ext uri="{386F3935-93C4-4BCD-93E2-E3B085C9AB24}">
-                <p16:designElem xmlns:p16="http://schemas.microsoft.com/office/powerpoint/2015/main" xmlns="" val="1"/>
+                <p16:designElem xmlns="" xmlns:p16="http://schemas.microsoft.com/office/powerpoint/2015/main" val="1"/>
               </p:ext>
             </p:extLst>
           </p:nvPr>
@@ -32964,7 +33044,7 @@
           <p:cNvPr id="9" name="Date Placeholder 14">
             <a:extLst>
               <a:ext uri="{FF2B5EF4-FFF2-40B4-BE49-F238E27FC236}">
-                <a16:creationId xmlns:a16="http://schemas.microsoft.com/office/drawing/2014/main" xmlns="" id="{673D1B81-B8EF-347D-3624-BE8AC8BA7082}"/>
+                <a16:creationId xmlns="" xmlns:a16="http://schemas.microsoft.com/office/drawing/2014/main" id="{673D1B81-B8EF-347D-3624-BE8AC8BA7082}"/>
               </a:ext>
             </a:extLst>
           </p:cNvPr>
@@ -32999,12 +33079,36 @@
                   <a:spcPts val="600"/>
                 </a:spcAft>
               </a:pPr>
-              <a:t>12/20/2023</a:t>
+              <a:t>12/29/2023</a:t>
             </a:fld>
             <a:endParaRPr lang="en-US"/>
           </a:p>
         </p:txBody>
       </p:sp>
+      <p:pic>
+        <p:nvPicPr>
+          <p:cNvPr id="2" name="Picture 1"/>
+          <p:cNvPicPr>
+            <a:picLocks noChangeAspect="1"/>
+          </p:cNvPicPr>
+          <p:nvPr/>
+        </p:nvPicPr>
+        <p:blipFill>
+          <a:blip r:embed="rId2"/>
+          <a:stretch>
+            <a:fillRect/>
+          </a:stretch>
+        </p:blipFill>
+        <p:spPr>
+          <a:xfrm>
+            <a:off x="1583430" y="4379472"/>
+            <a:ext cx="9041640" cy="1068291"/>
+          </a:xfrm>
+          <a:prstGeom prst="rect">
+            <a:avLst/>
+          </a:prstGeom>
+        </p:spPr>
+      </p:pic>
     </p:spTree>
     <p:extLst>
       <p:ext uri="{BB962C8B-B14F-4D97-AF65-F5344CB8AC3E}">
@@ -33048,10 +33152,10 @@
           <p:cNvPr id="19" name="Rectangle 18">
             <a:extLst>
               <a:ext uri="{FF2B5EF4-FFF2-40B4-BE49-F238E27FC236}">
-                <a16:creationId xmlns:a16="http://schemas.microsoft.com/office/drawing/2014/main" xmlns="" id="{436866BF-907B-F3CF-1C75-682CE4654ACA}"/>
+                <a16:creationId xmlns="" xmlns:a16="http://schemas.microsoft.com/office/drawing/2014/main" id="{436866BF-907B-F3CF-1C75-682CE4654ACA}"/>
               </a:ext>
               <a:ext uri="{C183D7F6-B498-43B3-948B-1728B52AA6E4}">
-                <adec:decorative xmlns:adec="http://schemas.microsoft.com/office/drawing/2017/decorative" xmlns="" val="1"/>
+                <adec:decorative xmlns="" xmlns:adec="http://schemas.microsoft.com/office/drawing/2017/decorative" val="1"/>
               </a:ext>
             </a:extLst>
           </p:cNvPr>
@@ -33061,7 +33165,7 @@
           <p:nvPr>
             <p:extLst>
               <p:ext uri="{386F3935-93C4-4BCD-93E2-E3B085C9AB24}">
-                <p16:designElem xmlns:p16="http://schemas.microsoft.com/office/powerpoint/2015/main" xmlns="" val="1"/>
+                <p16:designElem xmlns="" xmlns:p16="http://schemas.microsoft.com/office/powerpoint/2015/main" val="1"/>
               </p:ext>
             </p:extLst>
           </p:nvPr>
@@ -33124,7 +33228,7 @@
           <p:cNvPr id="9" name="Date Placeholder 6">
             <a:extLst>
               <a:ext uri="{FF2B5EF4-FFF2-40B4-BE49-F238E27FC236}">
-                <a16:creationId xmlns:a16="http://schemas.microsoft.com/office/drawing/2014/main" xmlns="" id="{BAEFCE30-20EC-D2F4-5BD8-89CDAE28D2E9}"/>
+                <a16:creationId xmlns="" xmlns:a16="http://schemas.microsoft.com/office/drawing/2014/main" id="{BAEFCE30-20EC-D2F4-5BD8-89CDAE28D2E9}"/>
               </a:ext>
             </a:extLst>
           </p:cNvPr>
@@ -33159,7 +33263,7 @@
                   <a:spcPts val="600"/>
                 </a:spcAft>
               </a:pPr>
-              <a:t>12/20/2023</a:t>
+              <a:t>12/29/2023</a:t>
             </a:fld>
             <a:endParaRPr lang="en-US"/>
           </a:p>
@@ -33170,7 +33274,7 @@
           <p:cNvPr id="15" name="Content Placeholder">
             <a:extLst>
               <a:ext uri="{FF2B5EF4-FFF2-40B4-BE49-F238E27FC236}">
-                <a16:creationId xmlns:a16="http://schemas.microsoft.com/office/drawing/2014/main" xmlns="" id="{75B5AF89-64B0-2A86-032A-F9794A479C94}"/>
+                <a16:creationId xmlns="" xmlns:a16="http://schemas.microsoft.com/office/drawing/2014/main" id="{75B5AF89-64B0-2A86-032A-F9794A479C94}"/>
               </a:ext>
             </a:extLst>
           </p:cNvPr>
@@ -33239,10 +33343,10 @@
           <p:cNvPr id="19" name="Rectangle 18">
             <a:extLst>
               <a:ext uri="{FF2B5EF4-FFF2-40B4-BE49-F238E27FC236}">
-                <a16:creationId xmlns:a16="http://schemas.microsoft.com/office/drawing/2014/main" xmlns="" id="{50E4A9D4-0A7C-21C2-C565-7DA5B37A4ECA}"/>
+                <a16:creationId xmlns="" xmlns:a16="http://schemas.microsoft.com/office/drawing/2014/main" id="{50E4A9D4-0A7C-21C2-C565-7DA5B37A4ECA}"/>
               </a:ext>
               <a:ext uri="{C183D7F6-B498-43B3-948B-1728B52AA6E4}">
-                <adec:decorative xmlns:adec="http://schemas.microsoft.com/office/drawing/2017/decorative" xmlns="" val="1"/>
+                <adec:decorative xmlns="" xmlns:adec="http://schemas.microsoft.com/office/drawing/2017/decorative" val="1"/>
               </a:ext>
             </a:extLst>
           </p:cNvPr>
@@ -33252,7 +33356,7 @@
           <p:nvPr>
             <p:extLst>
               <p:ext uri="{386F3935-93C4-4BCD-93E2-E3B085C9AB24}">
-                <p16:designElem xmlns:p16="http://schemas.microsoft.com/office/powerpoint/2015/main" xmlns="" val="1"/>
+                <p16:designElem xmlns="" xmlns:p16="http://schemas.microsoft.com/office/powerpoint/2015/main" val="1"/>
               </p:ext>
             </p:extLst>
           </p:nvPr>
@@ -33315,10 +33419,10 @@
           <p:cNvPr id="21" name="Rectangle 20">
             <a:extLst>
               <a:ext uri="{FF2B5EF4-FFF2-40B4-BE49-F238E27FC236}">
-                <a16:creationId xmlns:a16="http://schemas.microsoft.com/office/drawing/2014/main" xmlns="" id="{D150D424-378A-5EAF-BEF3-AB85F9E35F0E}"/>
+                <a16:creationId xmlns="" xmlns:a16="http://schemas.microsoft.com/office/drawing/2014/main" id="{D150D424-378A-5EAF-BEF3-AB85F9E35F0E}"/>
               </a:ext>
               <a:ext uri="{C183D7F6-B498-43B3-948B-1728B52AA6E4}">
-                <adec:decorative xmlns:adec="http://schemas.microsoft.com/office/drawing/2017/decorative" xmlns="" val="1"/>
+                <adec:decorative xmlns="" xmlns:adec="http://schemas.microsoft.com/office/drawing/2017/decorative" val="1"/>
               </a:ext>
             </a:extLst>
           </p:cNvPr>
@@ -33328,7 +33432,7 @@
           <p:nvPr>
             <p:extLst>
               <p:ext uri="{386F3935-93C4-4BCD-93E2-E3B085C9AB24}">
-                <p16:designElem xmlns:p16="http://schemas.microsoft.com/office/powerpoint/2015/main" xmlns="" val="1"/>
+                <p16:designElem xmlns="" xmlns:p16="http://schemas.microsoft.com/office/powerpoint/2015/main" val="1"/>
               </p:ext>
             </p:extLst>
           </p:nvPr>
@@ -33407,7 +33511,7 @@
           <p:cNvPr id="9" name="Date Placeholder 6">
             <a:extLst>
               <a:ext uri="{FF2B5EF4-FFF2-40B4-BE49-F238E27FC236}">
-                <a16:creationId xmlns:a16="http://schemas.microsoft.com/office/drawing/2014/main" xmlns="" id="{BAEFCE30-20EC-D2F4-5BD8-89CDAE28D2E9}"/>
+                <a16:creationId xmlns="" xmlns:a16="http://schemas.microsoft.com/office/drawing/2014/main" id="{BAEFCE30-20EC-D2F4-5BD8-89CDAE28D2E9}"/>
               </a:ext>
             </a:extLst>
           </p:cNvPr>
@@ -33442,7 +33546,7 @@
                   <a:spcPts val="600"/>
                 </a:spcAft>
               </a:pPr>
-              <a:t>12/20/2023</a:t>
+              <a:t>12/29/2023</a:t>
             </a:fld>
             <a:endParaRPr lang="en-US"/>
           </a:p>
@@ -33453,7 +33557,7 @@
           <p:cNvPr id="15" name="Content Placeholder">
             <a:extLst>
               <a:ext uri="{FF2B5EF4-FFF2-40B4-BE49-F238E27FC236}">
-                <a16:creationId xmlns:a16="http://schemas.microsoft.com/office/drawing/2014/main" xmlns="" id="{21B9B604-9952-F7EF-6297-680409D61BE1}"/>
+                <a16:creationId xmlns="" xmlns:a16="http://schemas.microsoft.com/office/drawing/2014/main" id="{21B9B604-9952-F7EF-6297-680409D61BE1}"/>
               </a:ext>
             </a:extLst>
           </p:cNvPr>
@@ -33479,6 +33583,30 @@
           </a:graphicData>
         </a:graphic>
       </p:graphicFrame>
+      <p:pic>
+        <p:nvPicPr>
+          <p:cNvPr id="3" name="Picture 2"/>
+          <p:cNvPicPr>
+            <a:picLocks noChangeAspect="1"/>
+          </p:cNvPicPr>
+          <p:nvPr/>
+        </p:nvPicPr>
+        <p:blipFill>
+          <a:blip r:embed="rId7"/>
+          <a:stretch>
+            <a:fillRect/>
+          </a:stretch>
+        </p:blipFill>
+        <p:spPr>
+          <a:xfrm>
+            <a:off x="1666405" y="3780795"/>
+            <a:ext cx="5819775" cy="1152525"/>
+          </a:xfrm>
+          <a:prstGeom prst="rect">
+            <a:avLst/>
+          </a:prstGeom>
+        </p:spPr>
+      </p:pic>
     </p:spTree>
     <p:extLst>
       <p:ext uri="{BB962C8B-B14F-4D97-AF65-F5344CB8AC3E}">
@@ -33522,10 +33650,10 @@
           <p:cNvPr id="23" name="Rectangle 22">
             <a:extLst>
               <a:ext uri="{FF2B5EF4-FFF2-40B4-BE49-F238E27FC236}">
-                <a16:creationId xmlns:a16="http://schemas.microsoft.com/office/drawing/2014/main" xmlns="" id="{436866BF-907B-F3CF-1C75-682CE4654ACA}"/>
+                <a16:creationId xmlns="" xmlns:a16="http://schemas.microsoft.com/office/drawing/2014/main" id="{436866BF-907B-F3CF-1C75-682CE4654ACA}"/>
               </a:ext>
               <a:ext uri="{C183D7F6-B498-43B3-948B-1728B52AA6E4}">
-                <adec:decorative xmlns:adec="http://schemas.microsoft.com/office/drawing/2017/decorative" xmlns="" val="1"/>
+                <adec:decorative xmlns="" xmlns:adec="http://schemas.microsoft.com/office/drawing/2017/decorative" val="1"/>
               </a:ext>
             </a:extLst>
           </p:cNvPr>
@@ -33535,7 +33663,7 @@
           <p:nvPr>
             <p:extLst>
               <p:ext uri="{386F3935-93C4-4BCD-93E2-E3B085C9AB24}">
-                <p16:designElem xmlns:p16="http://schemas.microsoft.com/office/powerpoint/2015/main" xmlns="" val="1"/>
+                <p16:designElem xmlns="" xmlns:p16="http://schemas.microsoft.com/office/powerpoint/2015/main" val="1"/>
               </p:ext>
             </p:extLst>
           </p:nvPr>
@@ -33598,10 +33726,10 @@
           <p:cNvPr id="24" name="Rectangle 23">
             <a:extLst>
               <a:ext uri="{FF2B5EF4-FFF2-40B4-BE49-F238E27FC236}">
-                <a16:creationId xmlns:a16="http://schemas.microsoft.com/office/drawing/2014/main" xmlns="" id="{736A0EBA-CF02-9F8F-3400-6D3324AA86E3}"/>
+                <a16:creationId xmlns="" xmlns:a16="http://schemas.microsoft.com/office/drawing/2014/main" id="{736A0EBA-CF02-9F8F-3400-6D3324AA86E3}"/>
               </a:ext>
               <a:ext uri="{C183D7F6-B498-43B3-948B-1728B52AA6E4}">
-                <adec:decorative xmlns:adec="http://schemas.microsoft.com/office/drawing/2017/decorative" xmlns="" val="1"/>
+                <adec:decorative xmlns="" xmlns:adec="http://schemas.microsoft.com/office/drawing/2017/decorative" val="1"/>
               </a:ext>
             </a:extLst>
           </p:cNvPr>
@@ -33611,7 +33739,7 @@
           <p:nvPr>
             <p:extLst>
               <p:ext uri="{386F3935-93C4-4BCD-93E2-E3B085C9AB24}">
-                <p16:designElem xmlns:p16="http://schemas.microsoft.com/office/powerpoint/2015/main" xmlns="" val="1"/>
+                <p16:designElem xmlns="" xmlns:p16="http://schemas.microsoft.com/office/powerpoint/2015/main" val="1"/>
               </p:ext>
             </p:extLst>
           </p:nvPr>
@@ -33690,7 +33818,7 @@
           <p:cNvPr id="9" name="Date Placeholder 6">
             <a:extLst>
               <a:ext uri="{FF2B5EF4-FFF2-40B4-BE49-F238E27FC236}">
-                <a16:creationId xmlns:a16="http://schemas.microsoft.com/office/drawing/2014/main" xmlns="" id="{BAEFCE30-20EC-D2F4-5BD8-89CDAE28D2E9}"/>
+                <a16:creationId xmlns="" xmlns:a16="http://schemas.microsoft.com/office/drawing/2014/main" id="{BAEFCE30-20EC-D2F4-5BD8-89CDAE28D2E9}"/>
               </a:ext>
             </a:extLst>
           </p:cNvPr>
@@ -33725,7 +33853,7 @@
                   <a:spcPts val="600"/>
                 </a:spcAft>
               </a:pPr>
-              <a:t>12/20/2023</a:t>
+              <a:t>12/29/2023</a:t>
             </a:fld>
             <a:endParaRPr lang="en-US"/>
           </a:p>
@@ -33736,7 +33864,7 @@
           <p:cNvPr id="25" name="Content Placeholder">
             <a:extLst>
               <a:ext uri="{FF2B5EF4-FFF2-40B4-BE49-F238E27FC236}">
-                <a16:creationId xmlns:a16="http://schemas.microsoft.com/office/drawing/2014/main" xmlns="" id="{F3022876-F52B-C76A-F925-10DA4BE320F3}"/>
+                <a16:creationId xmlns="" xmlns:a16="http://schemas.microsoft.com/office/drawing/2014/main" id="{F3022876-F52B-C76A-F925-10DA4BE320F3}"/>
               </a:ext>
             </a:extLst>
           </p:cNvPr>
@@ -33805,10 +33933,10 @@
           <p:cNvPr id="27" name="Rectangle 26">
             <a:extLst>
               <a:ext uri="{FF2B5EF4-FFF2-40B4-BE49-F238E27FC236}">
-                <a16:creationId xmlns:a16="http://schemas.microsoft.com/office/drawing/2014/main" xmlns="" id="{ABC67A93-7858-32FE-C933-3BFD58E16933}"/>
+                <a16:creationId xmlns="" xmlns:a16="http://schemas.microsoft.com/office/drawing/2014/main" id="{ABC67A93-7858-32FE-C933-3BFD58E16933}"/>
               </a:ext>
               <a:ext uri="{C183D7F6-B498-43B3-948B-1728B52AA6E4}">
-                <adec:decorative xmlns:adec="http://schemas.microsoft.com/office/drawing/2017/decorative" xmlns="" val="1"/>
+                <adec:decorative xmlns="" xmlns:adec="http://schemas.microsoft.com/office/drawing/2017/decorative" val="1"/>
               </a:ext>
             </a:extLst>
           </p:cNvPr>
@@ -33818,7 +33946,7 @@
           <p:nvPr>
             <p:extLst>
               <p:ext uri="{386F3935-93C4-4BCD-93E2-E3B085C9AB24}">
-                <p16:designElem xmlns:p16="http://schemas.microsoft.com/office/powerpoint/2015/main" xmlns="" val="1"/>
+                <p16:designElem xmlns="" xmlns:p16="http://schemas.microsoft.com/office/powerpoint/2015/main" val="1"/>
               </p:ext>
             </p:extLst>
           </p:nvPr>
@@ -33881,10 +34009,10 @@
           <p:cNvPr id="28" name="Rectangle 27">
             <a:extLst>
               <a:ext uri="{FF2B5EF4-FFF2-40B4-BE49-F238E27FC236}">
-                <a16:creationId xmlns:a16="http://schemas.microsoft.com/office/drawing/2014/main" xmlns="" id="{D150D424-378A-5EAF-BEF3-AB85F9E35F0E}"/>
+                <a16:creationId xmlns="" xmlns:a16="http://schemas.microsoft.com/office/drawing/2014/main" id="{D150D424-378A-5EAF-BEF3-AB85F9E35F0E}"/>
               </a:ext>
               <a:ext uri="{C183D7F6-B498-43B3-948B-1728B52AA6E4}">
-                <adec:decorative xmlns:adec="http://schemas.microsoft.com/office/drawing/2017/decorative" xmlns="" val="1"/>
+                <adec:decorative xmlns="" xmlns:adec="http://schemas.microsoft.com/office/drawing/2017/decorative" val="1"/>
               </a:ext>
             </a:extLst>
           </p:cNvPr>
@@ -33894,7 +34022,7 @@
           <p:nvPr>
             <p:extLst>
               <p:ext uri="{386F3935-93C4-4BCD-93E2-E3B085C9AB24}">
-                <p16:designElem xmlns:p16="http://schemas.microsoft.com/office/powerpoint/2015/main" xmlns="" val="1"/>
+                <p16:designElem xmlns="" xmlns:p16="http://schemas.microsoft.com/office/powerpoint/2015/main" val="1"/>
               </p:ext>
             </p:extLst>
           </p:nvPr>
@@ -33951,18 +34079,18 @@
         </p:nvSpPr>
         <p:spPr>
           <a:xfrm>
-            <a:off x="1452314" y="2409061"/>
-            <a:ext cx="3630905" cy="2216663"/>
+            <a:off x="1300243" y="1636328"/>
+            <a:ext cx="3630905" cy="836415"/>
           </a:xfrm>
         </p:spPr>
         <p:txBody>
           <a:bodyPr>
-            <a:normAutofit/>
+            <a:normAutofit fontScale="90000"/>
           </a:bodyPr>
           <a:lstStyle/>
           <a:p>
             <a:r>
-              <a:rPr lang="en-US"/>
+              <a:rPr lang="en-US" dirty="0"/>
               <a:t>Check Dimensions of the Dataset</a:t>
             </a:r>
           </a:p>
@@ -33973,7 +34101,7 @@
           <p:cNvPr id="9" name="Date Placeholder 6">
             <a:extLst>
               <a:ext uri="{FF2B5EF4-FFF2-40B4-BE49-F238E27FC236}">
-                <a16:creationId xmlns:a16="http://schemas.microsoft.com/office/drawing/2014/main" xmlns="" id="{BAEFCE30-20EC-D2F4-5BD8-89CDAE28D2E9}"/>
+                <a16:creationId xmlns="" xmlns:a16="http://schemas.microsoft.com/office/drawing/2014/main" id="{BAEFCE30-20EC-D2F4-5BD8-89CDAE28D2E9}"/>
               </a:ext>
             </a:extLst>
           </p:cNvPr>
@@ -34008,7 +34136,7 @@
                   <a:spcPts val="600"/>
                 </a:spcAft>
               </a:pPr>
-              <a:t>12/20/2023</a:t>
+              <a:t>12/29/2023</a:t>
             </a:fld>
             <a:endParaRPr lang="en-US"/>
           </a:p>
@@ -34019,7 +34147,7 @@
           <p:cNvPr id="29" name="Content Placeholder">
             <a:extLst>
               <a:ext uri="{FF2B5EF4-FFF2-40B4-BE49-F238E27FC236}">
-                <a16:creationId xmlns:a16="http://schemas.microsoft.com/office/drawing/2014/main" xmlns="" id="{21743142-F22E-FCAF-4CDE-EA676814999B}"/>
+                <a16:creationId xmlns="" xmlns:a16="http://schemas.microsoft.com/office/drawing/2014/main" id="{21743142-F22E-FCAF-4CDE-EA676814999B}"/>
               </a:ext>
             </a:extLst>
           </p:cNvPr>
@@ -34045,6 +34173,30 @@
           </a:graphicData>
         </a:graphic>
       </p:graphicFrame>
+      <p:pic>
+        <p:nvPicPr>
+          <p:cNvPr id="3" name="Picture 2"/>
+          <p:cNvPicPr>
+            <a:picLocks noChangeAspect="1"/>
+          </p:cNvPicPr>
+          <p:nvPr/>
+        </p:nvPicPr>
+        <p:blipFill>
+          <a:blip r:embed="rId7"/>
+          <a:stretch>
+            <a:fillRect/>
+          </a:stretch>
+        </p:blipFill>
+        <p:spPr>
+          <a:xfrm>
+            <a:off x="1300243" y="2975769"/>
+            <a:ext cx="3946672" cy="2586832"/>
+          </a:xfrm>
+          <a:prstGeom prst="rect">
+            <a:avLst/>
+          </a:prstGeom>
+        </p:spPr>
+      </p:pic>
     </p:spTree>
     <p:extLst>
       <p:ext uri="{BB962C8B-B14F-4D97-AF65-F5344CB8AC3E}">
@@ -34088,10 +34240,10 @@
           <p:cNvPr id="19" name="Rectangle 18">
             <a:extLst>
               <a:ext uri="{FF2B5EF4-FFF2-40B4-BE49-F238E27FC236}">
-                <a16:creationId xmlns:a16="http://schemas.microsoft.com/office/drawing/2014/main" xmlns="" id="{436866BF-907B-F3CF-1C75-682CE4654ACA}"/>
+                <a16:creationId xmlns="" xmlns:a16="http://schemas.microsoft.com/office/drawing/2014/main" id="{436866BF-907B-F3CF-1C75-682CE4654ACA}"/>
               </a:ext>
               <a:ext uri="{C183D7F6-B498-43B3-948B-1728B52AA6E4}">
-                <adec:decorative xmlns:adec="http://schemas.microsoft.com/office/drawing/2017/decorative" xmlns="" val="1"/>
+                <adec:decorative xmlns="" xmlns:adec="http://schemas.microsoft.com/office/drawing/2017/decorative" val="1"/>
               </a:ext>
             </a:extLst>
           </p:cNvPr>
@@ -34101,7 +34253,7 @@
           <p:nvPr>
             <p:extLst>
               <p:ext uri="{386F3935-93C4-4BCD-93E2-E3B085C9AB24}">
-                <p16:designElem xmlns:p16="http://schemas.microsoft.com/office/powerpoint/2015/main" xmlns="" val="1"/>
+                <p16:designElem xmlns="" xmlns:p16="http://schemas.microsoft.com/office/powerpoint/2015/main" val="1"/>
               </p:ext>
             </p:extLst>
           </p:nvPr>
@@ -34164,10 +34316,10 @@
           <p:cNvPr id="21" name="Rectangle 20">
             <a:extLst>
               <a:ext uri="{FF2B5EF4-FFF2-40B4-BE49-F238E27FC236}">
-                <a16:creationId xmlns:a16="http://schemas.microsoft.com/office/drawing/2014/main" xmlns="" id="{736A0EBA-CF02-9F8F-3400-6D3324AA86E3}"/>
+                <a16:creationId xmlns="" xmlns:a16="http://schemas.microsoft.com/office/drawing/2014/main" id="{736A0EBA-CF02-9F8F-3400-6D3324AA86E3}"/>
               </a:ext>
               <a:ext uri="{C183D7F6-B498-43B3-948B-1728B52AA6E4}">
-                <adec:decorative xmlns:adec="http://schemas.microsoft.com/office/drawing/2017/decorative" xmlns="" val="1"/>
+                <adec:decorative xmlns="" xmlns:adec="http://schemas.microsoft.com/office/drawing/2017/decorative" val="1"/>
               </a:ext>
             </a:extLst>
           </p:cNvPr>
@@ -34177,7 +34329,7 @@
           <p:nvPr>
             <p:extLst>
               <p:ext uri="{386F3935-93C4-4BCD-93E2-E3B085C9AB24}">
-                <p16:designElem xmlns:p16="http://schemas.microsoft.com/office/powerpoint/2015/main" xmlns="" val="1"/>
+                <p16:designElem xmlns="" xmlns:p16="http://schemas.microsoft.com/office/powerpoint/2015/main" val="1"/>
               </p:ext>
             </p:extLst>
           </p:nvPr>
@@ -34256,7 +34408,7 @@
           <p:cNvPr id="9" name="Date Placeholder 6">
             <a:extLst>
               <a:ext uri="{FF2B5EF4-FFF2-40B4-BE49-F238E27FC236}">
-                <a16:creationId xmlns:a16="http://schemas.microsoft.com/office/drawing/2014/main" xmlns="" id="{BAEFCE30-20EC-D2F4-5BD8-89CDAE28D2E9}"/>
+                <a16:creationId xmlns="" xmlns:a16="http://schemas.microsoft.com/office/drawing/2014/main" id="{BAEFCE30-20EC-D2F4-5BD8-89CDAE28D2E9}"/>
               </a:ext>
             </a:extLst>
           </p:cNvPr>
@@ -34291,7 +34443,7 @@
                   <a:spcPts val="600"/>
                 </a:spcAft>
               </a:pPr>
-              <a:t>12/20/2023</a:t>
+              <a:t>12/29/2023</a:t>
             </a:fld>
             <a:endParaRPr lang="en-US"/>
           </a:p>
@@ -34302,7 +34454,7 @@
           <p:cNvPr id="15" name="Content Placeholder">
             <a:extLst>
               <a:ext uri="{FF2B5EF4-FFF2-40B4-BE49-F238E27FC236}">
-                <a16:creationId xmlns:a16="http://schemas.microsoft.com/office/drawing/2014/main" xmlns="" id="{0747BCF8-CE1D-338B-CB66-DB00560C9760}"/>
+                <a16:creationId xmlns="" xmlns:a16="http://schemas.microsoft.com/office/drawing/2014/main" id="{0747BCF8-CE1D-338B-CB66-DB00560C9760}"/>
               </a:ext>
             </a:extLst>
           </p:cNvPr>
@@ -34371,10 +34523,10 @@
           <p:cNvPr id="19" name="Rectangle 18">
             <a:extLst>
               <a:ext uri="{FF2B5EF4-FFF2-40B4-BE49-F238E27FC236}">
-                <a16:creationId xmlns:a16="http://schemas.microsoft.com/office/drawing/2014/main" xmlns="" id="{ABC67A93-7858-32FE-C933-3BFD58E16933}"/>
+                <a16:creationId xmlns="" xmlns:a16="http://schemas.microsoft.com/office/drawing/2014/main" id="{ABC67A93-7858-32FE-C933-3BFD58E16933}"/>
               </a:ext>
               <a:ext uri="{C183D7F6-B498-43B3-948B-1728B52AA6E4}">
-                <adec:decorative xmlns:adec="http://schemas.microsoft.com/office/drawing/2017/decorative" xmlns="" val="1"/>
+                <adec:decorative xmlns="" xmlns:adec="http://schemas.microsoft.com/office/drawing/2017/decorative" val="1"/>
               </a:ext>
             </a:extLst>
           </p:cNvPr>
@@ -34384,7 +34536,7 @@
           <p:nvPr>
             <p:extLst>
               <p:ext uri="{386F3935-93C4-4BCD-93E2-E3B085C9AB24}">
-                <p16:designElem xmlns:p16="http://schemas.microsoft.com/office/powerpoint/2015/main" xmlns="" val="1"/>
+                <p16:designElem xmlns="" xmlns:p16="http://schemas.microsoft.com/office/powerpoint/2015/main" val="1"/>
               </p:ext>
             </p:extLst>
           </p:nvPr>
@@ -34447,10 +34599,10 @@
           <p:cNvPr id="21" name="Rectangle 20">
             <a:extLst>
               <a:ext uri="{FF2B5EF4-FFF2-40B4-BE49-F238E27FC236}">
-                <a16:creationId xmlns:a16="http://schemas.microsoft.com/office/drawing/2014/main" xmlns="" id="{D150D424-378A-5EAF-BEF3-AB85F9E35F0E}"/>
+                <a16:creationId xmlns="" xmlns:a16="http://schemas.microsoft.com/office/drawing/2014/main" id="{D150D424-378A-5EAF-BEF3-AB85F9E35F0E}"/>
               </a:ext>
               <a:ext uri="{C183D7F6-B498-43B3-948B-1728B52AA6E4}">
-                <adec:decorative xmlns:adec="http://schemas.microsoft.com/office/drawing/2017/decorative" xmlns="" val="1"/>
+                <adec:decorative xmlns="" xmlns:adec="http://schemas.microsoft.com/office/drawing/2017/decorative" val="1"/>
               </a:ext>
             </a:extLst>
           </p:cNvPr>
@@ -34460,7 +34612,7 @@
           <p:nvPr>
             <p:extLst>
               <p:ext uri="{386F3935-93C4-4BCD-93E2-E3B085C9AB24}">
-                <p16:designElem xmlns:p16="http://schemas.microsoft.com/office/powerpoint/2015/main" xmlns="" val="1"/>
+                <p16:designElem xmlns="" xmlns:p16="http://schemas.microsoft.com/office/powerpoint/2015/main" val="1"/>
               </p:ext>
             </p:extLst>
           </p:nvPr>
@@ -34517,19 +34669,27 @@
         </p:nvSpPr>
         <p:spPr>
           <a:xfrm>
-            <a:off x="1610465" y="2322797"/>
-            <a:ext cx="3630905" cy="2216663"/>
+            <a:off x="1458125" y="1730369"/>
+            <a:ext cx="3630905" cy="484797"/>
           </a:xfrm>
         </p:spPr>
         <p:txBody>
           <a:bodyPr>
-            <a:normAutofit/>
+            <a:normAutofit fontScale="90000"/>
           </a:bodyPr>
           <a:lstStyle/>
           <a:p>
             <a:r>
-              <a:rPr lang="en-US"/>
-              <a:t>Check Datatype Summary</a:t>
+              <a:rPr lang="en-US" dirty="0"/>
+              <a:t>Check </a:t>
+            </a:r>
+            <a:r>
+              <a:rPr lang="en-US" dirty="0" smtClean="0"/>
+              <a:t>Data type </a:t>
+            </a:r>
+            <a:r>
+              <a:rPr lang="en-US" dirty="0"/>
+              <a:t>Summary</a:t>
             </a:r>
           </a:p>
         </p:txBody>
@@ -34539,7 +34699,7 @@
           <p:cNvPr id="9" name="Date Placeholder 6">
             <a:extLst>
               <a:ext uri="{FF2B5EF4-FFF2-40B4-BE49-F238E27FC236}">
-                <a16:creationId xmlns:a16="http://schemas.microsoft.com/office/drawing/2014/main" xmlns="" id="{BAEFCE30-20EC-D2F4-5BD8-89CDAE28D2E9}"/>
+                <a16:creationId xmlns="" xmlns:a16="http://schemas.microsoft.com/office/drawing/2014/main" id="{BAEFCE30-20EC-D2F4-5BD8-89CDAE28D2E9}"/>
               </a:ext>
             </a:extLst>
           </p:cNvPr>
@@ -34574,7 +34734,7 @@
                   <a:spcPts val="600"/>
                 </a:spcAft>
               </a:pPr>
-              <a:t>12/20/2023</a:t>
+              <a:t>12/29/2023</a:t>
             </a:fld>
             <a:endParaRPr lang="en-US"/>
           </a:p>
@@ -34585,7 +34745,7 @@
           <p:cNvPr id="15" name="Content Placeholder">
             <a:extLst>
               <a:ext uri="{FF2B5EF4-FFF2-40B4-BE49-F238E27FC236}">
-                <a16:creationId xmlns:a16="http://schemas.microsoft.com/office/drawing/2014/main" xmlns="" id="{85728F3F-BC68-5FB5-0132-A729F904CA97}"/>
+                <a16:creationId xmlns="" xmlns:a16="http://schemas.microsoft.com/office/drawing/2014/main" id="{85728F3F-BC68-5FB5-0132-A729F904CA97}"/>
               </a:ext>
             </a:extLst>
           </p:cNvPr>
@@ -34596,7 +34756,7 @@
             <p:ph idx="1"/>
             <p:extLst>
               <p:ext uri="{D42A27DB-BD31-4B8C-83A1-F6EECF244321}">
-                <p14:modId xmlns:p14="http://schemas.microsoft.com/office/powerpoint/2010/main" val="1185255671"/>
+                <p14:modId xmlns:p14="http://schemas.microsoft.com/office/powerpoint/2010/main" val="688398447"/>
               </p:ext>
             </p:extLst>
           </p:nvPr>
@@ -34611,6 +34771,30 @@
           </a:graphicData>
         </a:graphic>
       </p:graphicFrame>
+      <p:pic>
+        <p:nvPicPr>
+          <p:cNvPr id="3" name="Picture 2"/>
+          <p:cNvPicPr>
+            <a:picLocks noChangeAspect="1"/>
+          </p:cNvPicPr>
+          <p:nvPr/>
+        </p:nvPicPr>
+        <p:blipFill>
+          <a:blip r:embed="rId7"/>
+          <a:stretch>
+            <a:fillRect/>
+          </a:stretch>
+        </p:blipFill>
+        <p:spPr>
+          <a:xfrm>
+            <a:off x="1379182" y="2650135"/>
+            <a:ext cx="3788789" cy="2781300"/>
+          </a:xfrm>
+          <a:prstGeom prst="rect">
+            <a:avLst/>
+          </a:prstGeom>
+        </p:spPr>
+      </p:pic>
     </p:spTree>
     <p:extLst>
       <p:ext uri="{BB962C8B-B14F-4D97-AF65-F5344CB8AC3E}">
